--- a/2d 겜플.pptx
+++ b/2d 겜플.pptx
@@ -4,12 +4,17 @@
   <p:sldMasterIdLst>
     <p:sldMasterId id="2147483648" r:id="rId1"/>
   </p:sldMasterIdLst>
+  <p:notesMasterIdLst>
+    <p:notesMasterId r:id="rId9"/>
+  </p:notesMasterIdLst>
   <p:sldIdLst>
-    <p:sldId id="267" r:id="rId2"/>
-    <p:sldId id="263" r:id="rId3"/>
-    <p:sldId id="264" r:id="rId4"/>
-    <p:sldId id="265" r:id="rId5"/>
-    <p:sldId id="266" r:id="rId6"/>
+    <p:sldId id="268" r:id="rId2"/>
+    <p:sldId id="269" r:id="rId3"/>
+    <p:sldId id="267" r:id="rId4"/>
+    <p:sldId id="263" r:id="rId5"/>
+    <p:sldId id="264" r:id="rId6"/>
+    <p:sldId id="265" r:id="rId7"/>
+    <p:sldId id="266" r:id="rId8"/>
   </p:sldIdLst>
   <p:sldSz cx="12192000" cy="6858000"/>
   <p:notesSz cx="6858000" cy="9144000"/>
@@ -116,6 +121,443 @@
 </p:presentation>
 </file>
 
+<file path=ppt/notesMasters/notesMaster1.xml><?xml version="1.0" encoding="utf-8"?>
+<p:notesMaster xmlns:a="http://schemas.openxmlformats.org/drawingml/2006/main" xmlns:r="http://schemas.openxmlformats.org/officeDocument/2006/relationships" xmlns:p="http://schemas.openxmlformats.org/presentationml/2006/main">
+  <p:cSld>
+    <p:bg>
+      <p:bgRef idx="1001">
+        <a:schemeClr val="bg1"/>
+      </p:bgRef>
+    </p:bg>
+    <p:spTree>
+      <p:nvGrpSpPr>
+        <p:cNvPr id="1" name=""/>
+        <p:cNvGrpSpPr/>
+        <p:nvPr/>
+      </p:nvGrpSpPr>
+      <p:grpSpPr>
+        <a:xfrm>
+          <a:off x="0" y="0"/>
+          <a:ext cx="0" cy="0"/>
+          <a:chOff x="0" y="0"/>
+          <a:chExt cx="0" cy="0"/>
+        </a:xfrm>
+      </p:grpSpPr>
+      <p:sp>
+        <p:nvSpPr>
+          <p:cNvPr id="2" name="머리글 개체 틀 1"/>
+          <p:cNvSpPr>
+            <a:spLocks noGrp="1"/>
+          </p:cNvSpPr>
+          <p:nvPr>
+            <p:ph type="hdr" sz="quarter"/>
+          </p:nvPr>
+        </p:nvSpPr>
+        <p:spPr>
+          <a:xfrm>
+            <a:off x="0" y="0"/>
+            <a:ext cx="2971800" cy="458788"/>
+          </a:xfrm>
+          <a:prstGeom prst="rect">
+            <a:avLst/>
+          </a:prstGeom>
+        </p:spPr>
+        <p:txBody>
+          <a:bodyPr vert="horz" lIns="91440" tIns="45720" rIns="91440" bIns="45720" rtlCol="0"/>
+          <a:lstStyle>
+            <a:lvl1pPr algn="l">
+              <a:defRPr sz="1200"/>
+            </a:lvl1pPr>
+          </a:lstStyle>
+          <a:p>
+            <a:endParaRPr lang="ko-KR" altLang="en-US"/>
+          </a:p>
+        </p:txBody>
+      </p:sp>
+      <p:sp>
+        <p:nvSpPr>
+          <p:cNvPr id="3" name="날짜 개체 틀 2"/>
+          <p:cNvSpPr>
+            <a:spLocks noGrp="1"/>
+          </p:cNvSpPr>
+          <p:nvPr>
+            <p:ph type="dt" idx="1"/>
+          </p:nvPr>
+        </p:nvSpPr>
+        <p:spPr>
+          <a:xfrm>
+            <a:off x="3884613" y="0"/>
+            <a:ext cx="2971800" cy="458788"/>
+          </a:xfrm>
+          <a:prstGeom prst="rect">
+            <a:avLst/>
+          </a:prstGeom>
+        </p:spPr>
+        <p:txBody>
+          <a:bodyPr vert="horz" lIns="91440" tIns="45720" rIns="91440" bIns="45720" rtlCol="0"/>
+          <a:lstStyle>
+            <a:lvl1pPr algn="r">
+              <a:defRPr sz="1200"/>
+            </a:lvl1pPr>
+          </a:lstStyle>
+          <a:p>
+            <a:fld id="{AC95D430-C88D-493E-9137-42D57E957E52}" type="datetimeFigureOut">
+              <a:rPr lang="ko-KR" altLang="en-US" smtClean="0"/>
+              <a:t>2022-09-24</a:t>
+            </a:fld>
+            <a:endParaRPr lang="ko-KR" altLang="en-US"/>
+          </a:p>
+        </p:txBody>
+      </p:sp>
+      <p:sp>
+        <p:nvSpPr>
+          <p:cNvPr id="4" name="슬라이드 이미지 개체 틀 3"/>
+          <p:cNvSpPr>
+            <a:spLocks noGrp="1" noRot="1" noChangeAspect="1"/>
+          </p:cNvSpPr>
+          <p:nvPr>
+            <p:ph type="sldImg" idx="2"/>
+          </p:nvPr>
+        </p:nvSpPr>
+        <p:spPr>
+          <a:xfrm>
+            <a:off x="685800" y="1143000"/>
+            <a:ext cx="5486400" cy="3086100"/>
+          </a:xfrm>
+          <a:prstGeom prst="rect">
+            <a:avLst/>
+          </a:prstGeom>
+          <a:noFill/>
+          <a:ln w="12700">
+            <a:solidFill>
+              <a:prstClr val="black"/>
+            </a:solidFill>
+          </a:ln>
+        </p:spPr>
+        <p:txBody>
+          <a:bodyPr vert="horz" lIns="91440" tIns="45720" rIns="91440" bIns="45720" rtlCol="0" anchor="ctr"/>
+          <a:lstStyle/>
+          <a:p>
+            <a:endParaRPr lang="ko-KR" altLang="en-US"/>
+          </a:p>
+        </p:txBody>
+      </p:sp>
+      <p:sp>
+        <p:nvSpPr>
+          <p:cNvPr id="5" name="슬라이드 노트 개체 틀 4"/>
+          <p:cNvSpPr>
+            <a:spLocks noGrp="1"/>
+          </p:cNvSpPr>
+          <p:nvPr>
+            <p:ph type="body" sz="quarter" idx="3"/>
+          </p:nvPr>
+        </p:nvSpPr>
+        <p:spPr>
+          <a:xfrm>
+            <a:off x="685800" y="4400550"/>
+            <a:ext cx="5486400" cy="3600450"/>
+          </a:xfrm>
+          <a:prstGeom prst="rect">
+            <a:avLst/>
+          </a:prstGeom>
+        </p:spPr>
+        <p:txBody>
+          <a:bodyPr vert="horz" lIns="91440" tIns="45720" rIns="91440" bIns="45720" rtlCol="0"/>
+          <a:lstStyle/>
+          <a:p>
+            <a:pPr lvl="0"/>
+            <a:r>
+              <a:rPr lang="ko-KR" altLang="en-US"/>
+              <a:t>마스터 텍스트 스타일을 편집하려면 클릭</a:t>
+            </a:r>
+          </a:p>
+          <a:p>
+            <a:pPr lvl="1"/>
+            <a:r>
+              <a:rPr lang="ko-KR" altLang="en-US"/>
+              <a:t>두 번째 수준</a:t>
+            </a:r>
+          </a:p>
+          <a:p>
+            <a:pPr lvl="2"/>
+            <a:r>
+              <a:rPr lang="ko-KR" altLang="en-US"/>
+              <a:t>세 번째 수준</a:t>
+            </a:r>
+          </a:p>
+          <a:p>
+            <a:pPr lvl="3"/>
+            <a:r>
+              <a:rPr lang="ko-KR" altLang="en-US"/>
+              <a:t>네 번째 수준</a:t>
+            </a:r>
+          </a:p>
+          <a:p>
+            <a:pPr lvl="4"/>
+            <a:r>
+              <a:rPr lang="ko-KR" altLang="en-US"/>
+              <a:t>다섯 번째 수준</a:t>
+            </a:r>
+          </a:p>
+        </p:txBody>
+      </p:sp>
+      <p:sp>
+        <p:nvSpPr>
+          <p:cNvPr id="6" name="바닥글 개체 틀 5"/>
+          <p:cNvSpPr>
+            <a:spLocks noGrp="1"/>
+          </p:cNvSpPr>
+          <p:nvPr>
+            <p:ph type="ftr" sz="quarter" idx="4"/>
+          </p:nvPr>
+        </p:nvSpPr>
+        <p:spPr>
+          <a:xfrm>
+            <a:off x="0" y="8685213"/>
+            <a:ext cx="2971800" cy="458787"/>
+          </a:xfrm>
+          <a:prstGeom prst="rect">
+            <a:avLst/>
+          </a:prstGeom>
+        </p:spPr>
+        <p:txBody>
+          <a:bodyPr vert="horz" lIns="91440" tIns="45720" rIns="91440" bIns="45720" rtlCol="0" anchor="b"/>
+          <a:lstStyle>
+            <a:lvl1pPr algn="l">
+              <a:defRPr sz="1200"/>
+            </a:lvl1pPr>
+          </a:lstStyle>
+          <a:p>
+            <a:endParaRPr lang="ko-KR" altLang="en-US"/>
+          </a:p>
+        </p:txBody>
+      </p:sp>
+      <p:sp>
+        <p:nvSpPr>
+          <p:cNvPr id="7" name="슬라이드 번호 개체 틀 6"/>
+          <p:cNvSpPr>
+            <a:spLocks noGrp="1"/>
+          </p:cNvSpPr>
+          <p:nvPr>
+            <p:ph type="sldNum" sz="quarter" idx="5"/>
+          </p:nvPr>
+        </p:nvSpPr>
+        <p:spPr>
+          <a:xfrm>
+            <a:off x="3884613" y="8685213"/>
+            <a:ext cx="2971800" cy="458787"/>
+          </a:xfrm>
+          <a:prstGeom prst="rect">
+            <a:avLst/>
+          </a:prstGeom>
+        </p:spPr>
+        <p:txBody>
+          <a:bodyPr vert="horz" lIns="91440" tIns="45720" rIns="91440" bIns="45720" rtlCol="0" anchor="b"/>
+          <a:lstStyle>
+            <a:lvl1pPr algn="r">
+              <a:defRPr sz="1200"/>
+            </a:lvl1pPr>
+          </a:lstStyle>
+          <a:p>
+            <a:fld id="{DC040745-5C88-475C-8D51-D5042C0B6EEA}" type="slidenum">
+              <a:rPr lang="ko-KR" altLang="en-US" smtClean="0"/>
+              <a:t>‹#›</a:t>
+            </a:fld>
+            <a:endParaRPr lang="ko-KR" altLang="en-US"/>
+          </a:p>
+        </p:txBody>
+      </p:sp>
+    </p:spTree>
+    <p:extLst>
+      <p:ext uri="{BB962C8B-B14F-4D97-AF65-F5344CB8AC3E}">
+        <p14:creationId xmlns:p14="http://schemas.microsoft.com/office/powerpoint/2010/main" val="2065259401"/>
+      </p:ext>
+    </p:extLst>
+  </p:cSld>
+  <p:clrMap bg1="lt1" tx1="dk1" bg2="lt2" tx2="dk2" accent1="accent1" accent2="accent2" accent3="accent3" accent4="accent4" accent5="accent5" accent6="accent6" hlink="hlink" folHlink="folHlink"/>
+  <p:notesStyle>
+    <a:lvl1pPr marL="0" algn="l" defTabSz="914400" rtl="0" eaLnBrk="1" latinLnBrk="1" hangingPunct="1">
+      <a:defRPr sz="1200" kern="1200">
+        <a:solidFill>
+          <a:schemeClr val="tx1"/>
+        </a:solidFill>
+        <a:latin typeface="+mn-lt"/>
+        <a:ea typeface="+mn-ea"/>
+        <a:cs typeface="+mn-cs"/>
+      </a:defRPr>
+    </a:lvl1pPr>
+    <a:lvl2pPr marL="457200" algn="l" defTabSz="914400" rtl="0" eaLnBrk="1" latinLnBrk="1" hangingPunct="1">
+      <a:defRPr sz="1200" kern="1200">
+        <a:solidFill>
+          <a:schemeClr val="tx1"/>
+        </a:solidFill>
+        <a:latin typeface="+mn-lt"/>
+        <a:ea typeface="+mn-ea"/>
+        <a:cs typeface="+mn-cs"/>
+      </a:defRPr>
+    </a:lvl2pPr>
+    <a:lvl3pPr marL="914400" algn="l" defTabSz="914400" rtl="0" eaLnBrk="1" latinLnBrk="1" hangingPunct="1">
+      <a:defRPr sz="1200" kern="1200">
+        <a:solidFill>
+          <a:schemeClr val="tx1"/>
+        </a:solidFill>
+        <a:latin typeface="+mn-lt"/>
+        <a:ea typeface="+mn-ea"/>
+        <a:cs typeface="+mn-cs"/>
+      </a:defRPr>
+    </a:lvl3pPr>
+    <a:lvl4pPr marL="1371600" algn="l" defTabSz="914400" rtl="0" eaLnBrk="1" latinLnBrk="1" hangingPunct="1">
+      <a:defRPr sz="1200" kern="1200">
+        <a:solidFill>
+          <a:schemeClr val="tx1"/>
+        </a:solidFill>
+        <a:latin typeface="+mn-lt"/>
+        <a:ea typeface="+mn-ea"/>
+        <a:cs typeface="+mn-cs"/>
+      </a:defRPr>
+    </a:lvl4pPr>
+    <a:lvl5pPr marL="1828800" algn="l" defTabSz="914400" rtl="0" eaLnBrk="1" latinLnBrk="1" hangingPunct="1">
+      <a:defRPr sz="1200" kern="1200">
+        <a:solidFill>
+          <a:schemeClr val="tx1"/>
+        </a:solidFill>
+        <a:latin typeface="+mn-lt"/>
+        <a:ea typeface="+mn-ea"/>
+        <a:cs typeface="+mn-cs"/>
+      </a:defRPr>
+    </a:lvl5pPr>
+    <a:lvl6pPr marL="2286000" algn="l" defTabSz="914400" rtl="0" eaLnBrk="1" latinLnBrk="1" hangingPunct="1">
+      <a:defRPr sz="1200" kern="1200">
+        <a:solidFill>
+          <a:schemeClr val="tx1"/>
+        </a:solidFill>
+        <a:latin typeface="+mn-lt"/>
+        <a:ea typeface="+mn-ea"/>
+        <a:cs typeface="+mn-cs"/>
+      </a:defRPr>
+    </a:lvl6pPr>
+    <a:lvl7pPr marL="2743200" algn="l" defTabSz="914400" rtl="0" eaLnBrk="1" latinLnBrk="1" hangingPunct="1">
+      <a:defRPr sz="1200" kern="1200">
+        <a:solidFill>
+          <a:schemeClr val="tx1"/>
+        </a:solidFill>
+        <a:latin typeface="+mn-lt"/>
+        <a:ea typeface="+mn-ea"/>
+        <a:cs typeface="+mn-cs"/>
+      </a:defRPr>
+    </a:lvl7pPr>
+    <a:lvl8pPr marL="3200400" algn="l" defTabSz="914400" rtl="0" eaLnBrk="1" latinLnBrk="1" hangingPunct="1">
+      <a:defRPr sz="1200" kern="1200">
+        <a:solidFill>
+          <a:schemeClr val="tx1"/>
+        </a:solidFill>
+        <a:latin typeface="+mn-lt"/>
+        <a:ea typeface="+mn-ea"/>
+        <a:cs typeface="+mn-cs"/>
+      </a:defRPr>
+    </a:lvl8pPr>
+    <a:lvl9pPr marL="3657600" algn="l" defTabSz="914400" rtl="0" eaLnBrk="1" latinLnBrk="1" hangingPunct="1">
+      <a:defRPr sz="1200" kern="1200">
+        <a:solidFill>
+          <a:schemeClr val="tx1"/>
+        </a:solidFill>
+        <a:latin typeface="+mn-lt"/>
+        <a:ea typeface="+mn-ea"/>
+        <a:cs typeface="+mn-cs"/>
+      </a:defRPr>
+    </a:lvl9pPr>
+  </p:notesStyle>
+</p:notesMaster>
+</file>
+
+<file path=ppt/notesSlides/notesSlide1.xml><?xml version="1.0" encoding="utf-8"?>
+<p:notes xmlns:a="http://schemas.openxmlformats.org/drawingml/2006/main" xmlns:r="http://schemas.openxmlformats.org/officeDocument/2006/relationships" xmlns:p="http://schemas.openxmlformats.org/presentationml/2006/main">
+  <p:cSld>
+    <p:spTree>
+      <p:nvGrpSpPr>
+        <p:cNvPr id="1" name=""/>
+        <p:cNvGrpSpPr/>
+        <p:nvPr/>
+      </p:nvGrpSpPr>
+      <p:grpSpPr>
+        <a:xfrm>
+          <a:off x="0" y="0"/>
+          <a:ext cx="0" cy="0"/>
+          <a:chOff x="0" y="0"/>
+          <a:chExt cx="0" cy="0"/>
+        </a:xfrm>
+      </p:grpSpPr>
+      <p:sp>
+        <p:nvSpPr>
+          <p:cNvPr id="2" name="슬라이드 이미지 개체 틀 1"/>
+          <p:cNvSpPr>
+            <a:spLocks noGrp="1" noRot="1" noChangeAspect="1"/>
+          </p:cNvSpPr>
+          <p:nvPr>
+            <p:ph type="sldImg"/>
+          </p:nvPr>
+        </p:nvSpPr>
+        <p:spPr/>
+      </p:sp>
+      <p:sp>
+        <p:nvSpPr>
+          <p:cNvPr id="3" name="슬라이드 노트 개체 틀 2"/>
+          <p:cNvSpPr>
+            <a:spLocks noGrp="1"/>
+          </p:cNvSpPr>
+          <p:nvPr>
+            <p:ph type="body" idx="1"/>
+          </p:nvPr>
+        </p:nvSpPr>
+        <p:spPr/>
+        <p:txBody>
+          <a:bodyPr/>
+          <a:lstStyle/>
+          <a:p>
+            <a:r>
+              <a:rPr lang="ko-KR" altLang="en-US" dirty="0" err="1"/>
+              <a:t>ㅁㄴ</a:t>
+            </a:r>
+            <a:endParaRPr lang="ko-KR" altLang="en-US" dirty="0"/>
+          </a:p>
+        </p:txBody>
+      </p:sp>
+      <p:sp>
+        <p:nvSpPr>
+          <p:cNvPr id="4" name="슬라이드 번호 개체 틀 3"/>
+          <p:cNvSpPr>
+            <a:spLocks noGrp="1"/>
+          </p:cNvSpPr>
+          <p:nvPr>
+            <p:ph type="sldNum" sz="quarter" idx="5"/>
+          </p:nvPr>
+        </p:nvSpPr>
+        <p:spPr/>
+        <p:txBody>
+          <a:bodyPr/>
+          <a:lstStyle/>
+          <a:p>
+            <a:fld id="{DC040745-5C88-475C-8D51-D5042C0B6EEA}" type="slidenum">
+              <a:rPr lang="ko-KR" altLang="en-US" smtClean="0"/>
+              <a:t>1</a:t>
+            </a:fld>
+            <a:endParaRPr lang="ko-KR" altLang="en-US"/>
+          </a:p>
+        </p:txBody>
+      </p:sp>
+    </p:spTree>
+    <p:extLst>
+      <p:ext uri="{BB962C8B-B14F-4D97-AF65-F5344CB8AC3E}">
+        <p14:creationId xmlns:p14="http://schemas.microsoft.com/office/powerpoint/2010/main" val="3688394260"/>
+      </p:ext>
+    </p:extLst>
+  </p:cSld>
+  <p:clrMapOvr>
+    <a:masterClrMapping/>
+  </p:clrMapOvr>
+</p:notes>
+</file>
+
 <file path=ppt/slideLayouts/slideLayout1.xml><?xml version="1.0" encoding="utf-8"?>
 <p:sldLayout xmlns:a="http://schemas.openxmlformats.org/drawingml/2006/main" xmlns:r="http://schemas.openxmlformats.org/officeDocument/2006/relationships" xmlns:p="http://schemas.openxmlformats.org/presentationml/2006/main" type="title" preserve="1">
   <p:cSld name="제목 슬라이드">
@@ -263,7 +705,7 @@
           <a:p>
             <a:fld id="{D1034C22-4BA4-410F-9F65-D7D335F262A7}" type="datetimeFigureOut">
               <a:rPr lang="ko-KR" altLang="en-US" smtClean="0"/>
-              <a:t>2022-09-23</a:t>
+              <a:t>2022-09-24</a:t>
             </a:fld>
             <a:endParaRPr lang="ko-KR" altLang="en-US"/>
           </a:p>
@@ -461,7 +903,7 @@
           <a:p>
             <a:fld id="{D1034C22-4BA4-410F-9F65-D7D335F262A7}" type="datetimeFigureOut">
               <a:rPr lang="ko-KR" altLang="en-US" smtClean="0"/>
-              <a:t>2022-09-23</a:t>
+              <a:t>2022-09-24</a:t>
             </a:fld>
             <a:endParaRPr lang="ko-KR" altLang="en-US"/>
           </a:p>
@@ -669,7 +1111,7 @@
           <a:p>
             <a:fld id="{D1034C22-4BA4-410F-9F65-D7D335F262A7}" type="datetimeFigureOut">
               <a:rPr lang="ko-KR" altLang="en-US" smtClean="0"/>
-              <a:t>2022-09-23</a:t>
+              <a:t>2022-09-24</a:t>
             </a:fld>
             <a:endParaRPr lang="ko-KR" altLang="en-US"/>
           </a:p>
@@ -867,7 +1309,7 @@
           <a:p>
             <a:fld id="{D1034C22-4BA4-410F-9F65-D7D335F262A7}" type="datetimeFigureOut">
               <a:rPr lang="ko-KR" altLang="en-US" smtClean="0"/>
-              <a:t>2022-09-23</a:t>
+              <a:t>2022-09-24</a:t>
             </a:fld>
             <a:endParaRPr lang="ko-KR" altLang="en-US"/>
           </a:p>
@@ -1142,7 +1584,7 @@
           <a:p>
             <a:fld id="{D1034C22-4BA4-410F-9F65-D7D335F262A7}" type="datetimeFigureOut">
               <a:rPr lang="ko-KR" altLang="en-US" smtClean="0"/>
-              <a:t>2022-09-23</a:t>
+              <a:t>2022-09-24</a:t>
             </a:fld>
             <a:endParaRPr lang="ko-KR" altLang="en-US"/>
           </a:p>
@@ -1407,7 +1849,7 @@
           <a:p>
             <a:fld id="{D1034C22-4BA4-410F-9F65-D7D335F262A7}" type="datetimeFigureOut">
               <a:rPr lang="ko-KR" altLang="en-US" smtClean="0"/>
-              <a:t>2022-09-23</a:t>
+              <a:t>2022-09-24</a:t>
             </a:fld>
             <a:endParaRPr lang="ko-KR" altLang="en-US"/>
           </a:p>
@@ -1819,7 +2261,7 @@
           <a:p>
             <a:fld id="{D1034C22-4BA4-410F-9F65-D7D335F262A7}" type="datetimeFigureOut">
               <a:rPr lang="ko-KR" altLang="en-US" smtClean="0"/>
-              <a:t>2022-09-23</a:t>
+              <a:t>2022-09-24</a:t>
             </a:fld>
             <a:endParaRPr lang="ko-KR" altLang="en-US"/>
           </a:p>
@@ -1960,7 +2402,7 @@
           <a:p>
             <a:fld id="{D1034C22-4BA4-410F-9F65-D7D335F262A7}" type="datetimeFigureOut">
               <a:rPr lang="ko-KR" altLang="en-US" smtClean="0"/>
-              <a:t>2022-09-23</a:t>
+              <a:t>2022-09-24</a:t>
             </a:fld>
             <a:endParaRPr lang="ko-KR" altLang="en-US"/>
           </a:p>
@@ -2073,7 +2515,7 @@
           <a:p>
             <a:fld id="{D1034C22-4BA4-410F-9F65-D7D335F262A7}" type="datetimeFigureOut">
               <a:rPr lang="ko-KR" altLang="en-US" smtClean="0"/>
-              <a:t>2022-09-23</a:t>
+              <a:t>2022-09-24</a:t>
             </a:fld>
             <a:endParaRPr lang="ko-KR" altLang="en-US"/>
           </a:p>
@@ -2384,7 +2826,7 @@
           <a:p>
             <a:fld id="{D1034C22-4BA4-410F-9F65-D7D335F262A7}" type="datetimeFigureOut">
               <a:rPr lang="ko-KR" altLang="en-US" smtClean="0"/>
-              <a:t>2022-09-23</a:t>
+              <a:t>2022-09-24</a:t>
             </a:fld>
             <a:endParaRPr lang="ko-KR" altLang="en-US"/>
           </a:p>
@@ -2672,7 +3114,7 @@
           <a:p>
             <a:fld id="{D1034C22-4BA4-410F-9F65-D7D335F262A7}" type="datetimeFigureOut">
               <a:rPr lang="ko-KR" altLang="en-US" smtClean="0"/>
-              <a:t>2022-09-23</a:t>
+              <a:t>2022-09-24</a:t>
             </a:fld>
             <a:endParaRPr lang="ko-KR" altLang="en-US"/>
           </a:p>
@@ -2913,7 +3355,7 @@
           <a:p>
             <a:fld id="{D1034C22-4BA4-410F-9F65-D7D335F262A7}" type="datetimeFigureOut">
               <a:rPr lang="ko-KR" altLang="en-US" smtClean="0"/>
-              <a:t>2022-09-23</a:t>
+              <a:t>2022-09-24</a:t>
             </a:fld>
             <a:endParaRPr lang="ko-KR" altLang="en-US"/>
           </a:p>
@@ -3330,6 +3772,707 @@
           <a:chExt cx="0" cy="0"/>
         </a:xfrm>
       </p:grpSpPr>
+      <p:sp>
+        <p:nvSpPr>
+          <p:cNvPr id="2" name="제목 1">
+            <a:extLst>
+              <a:ext uri="{FF2B5EF4-FFF2-40B4-BE49-F238E27FC236}">
+                <a16:creationId xmlns:a16="http://schemas.microsoft.com/office/drawing/2014/main" id="{8E843974-F5F4-7007-D954-D877A5ADF3E7}"/>
+              </a:ext>
+            </a:extLst>
+          </p:cNvPr>
+          <p:cNvSpPr>
+            <a:spLocks noGrp="1"/>
+          </p:cNvSpPr>
+          <p:nvPr>
+            <p:ph type="title"/>
+          </p:nvPr>
+        </p:nvSpPr>
+        <p:spPr>
+          <a:xfrm>
+            <a:off x="548568" y="1986802"/>
+            <a:ext cx="10515600" cy="1325563"/>
+          </a:xfrm>
+        </p:spPr>
+        <p:txBody>
+          <a:bodyPr/>
+          <a:lstStyle/>
+          <a:p>
+            <a:pPr algn="ctr"/>
+            <a:r>
+              <a:rPr lang="en-US" altLang="ko-KR" b="1" dirty="0">
+                <a:solidFill>
+                  <a:schemeClr val="tx1">
+                    <a:lumMod val="75000"/>
+                    <a:lumOff val="25000"/>
+                  </a:schemeClr>
+                </a:solidFill>
+              </a:rPr>
+              <a:t>2D </a:t>
+            </a:r>
+            <a:r>
+              <a:rPr lang="ko-KR" altLang="en-US" b="1" dirty="0">
+                <a:solidFill>
+                  <a:schemeClr val="tx1">
+                    <a:lumMod val="75000"/>
+                    <a:lumOff val="25000"/>
+                  </a:schemeClr>
+                </a:solidFill>
+              </a:rPr>
+              <a:t>게임 프로그래밍</a:t>
+            </a:r>
+          </a:p>
+        </p:txBody>
+      </p:sp>
+      <p:sp>
+        <p:nvSpPr>
+          <p:cNvPr id="3" name="내용 개체 틀 2">
+            <a:extLst>
+              <a:ext uri="{FF2B5EF4-FFF2-40B4-BE49-F238E27FC236}">
+                <a16:creationId xmlns:a16="http://schemas.microsoft.com/office/drawing/2014/main" id="{4B583499-EFD2-362D-BF76-023A924AFC9D}"/>
+              </a:ext>
+            </a:extLst>
+          </p:cNvPr>
+          <p:cNvSpPr>
+            <a:spLocks noGrp="1"/>
+          </p:cNvSpPr>
+          <p:nvPr>
+            <p:ph idx="1"/>
+          </p:nvPr>
+        </p:nvSpPr>
+        <p:spPr>
+          <a:xfrm>
+            <a:off x="4434418" y="3700099"/>
+            <a:ext cx="2743899" cy="665905"/>
+          </a:xfrm>
+        </p:spPr>
+        <p:txBody>
+          <a:bodyPr>
+            <a:normAutofit lnSpcReduction="10000"/>
+          </a:bodyPr>
+          <a:lstStyle/>
+          <a:p>
+            <a:pPr marL="0" indent="0" algn="ctr">
+              <a:buNone/>
+            </a:pPr>
+            <a:r>
+              <a:rPr lang="en-US" altLang="ko-KR" sz="4400" dirty="0"/>
+              <a:t>1</a:t>
+            </a:r>
+            <a:r>
+              <a:rPr lang="ko-KR" altLang="en-US" sz="4400" dirty="0"/>
+              <a:t>차 발표</a:t>
+            </a:r>
+          </a:p>
+        </p:txBody>
+      </p:sp>
+      <p:sp>
+        <p:nvSpPr>
+          <p:cNvPr id="5" name="TextBox 4">
+            <a:extLst>
+              <a:ext uri="{FF2B5EF4-FFF2-40B4-BE49-F238E27FC236}">
+                <a16:creationId xmlns:a16="http://schemas.microsoft.com/office/drawing/2014/main" id="{B7288E10-1D87-5031-E50C-D60F61BAC241}"/>
+              </a:ext>
+            </a:extLst>
+          </p:cNvPr>
+          <p:cNvSpPr txBox="1"/>
+          <p:nvPr/>
+        </p:nvSpPr>
+        <p:spPr>
+          <a:xfrm>
+            <a:off x="9420836" y="5897461"/>
+            <a:ext cx="2423232" cy="369332"/>
+          </a:xfrm>
+          <a:prstGeom prst="rect">
+            <a:avLst/>
+          </a:prstGeom>
+          <a:noFill/>
+        </p:spPr>
+        <p:txBody>
+          <a:bodyPr wrap="square" rtlCol="0">
+            <a:spAutoFit/>
+          </a:bodyPr>
+          <a:lstStyle/>
+          <a:p>
+            <a:r>
+              <a:rPr lang="en-US" altLang="ko-KR"/>
+              <a:t>2019180017 </a:t>
+            </a:r>
+            <a:r>
+              <a:rPr lang="ko-KR" altLang="en-US" dirty="0"/>
+              <a:t>서동우</a:t>
+            </a:r>
+          </a:p>
+        </p:txBody>
+      </p:sp>
+      <p:sp>
+        <p:nvSpPr>
+          <p:cNvPr id="6" name="사각형: 둥근 모서리 5">
+            <a:extLst>
+              <a:ext uri="{FF2B5EF4-FFF2-40B4-BE49-F238E27FC236}">
+                <a16:creationId xmlns:a16="http://schemas.microsoft.com/office/drawing/2014/main" id="{4DF0B70F-CD0C-8CAD-CD1A-CAB6997919F3}"/>
+              </a:ext>
+            </a:extLst>
+          </p:cNvPr>
+          <p:cNvSpPr/>
+          <p:nvPr/>
+        </p:nvSpPr>
+        <p:spPr>
+          <a:xfrm>
+            <a:off x="2191900" y="1986802"/>
+            <a:ext cx="7228936" cy="1325563"/>
+          </a:xfrm>
+          <a:prstGeom prst="roundRect">
+            <a:avLst/>
+          </a:prstGeom>
+          <a:noFill/>
+          <a:ln w="9525" cap="flat" cmpd="sng" algn="ctr">
+            <a:solidFill>
+              <a:schemeClr val="accent1"/>
+            </a:solidFill>
+            <a:prstDash val="solid"/>
+            <a:round/>
+            <a:headEnd type="none" w="med" len="med"/>
+            <a:tailEnd type="none" w="med" len="med"/>
+          </a:ln>
+        </p:spPr>
+        <p:style>
+          <a:lnRef idx="0">
+            <a:scrgbClr r="0" g="0" b="0"/>
+          </a:lnRef>
+          <a:fillRef idx="0">
+            <a:scrgbClr r="0" g="0" b="0"/>
+          </a:fillRef>
+          <a:effectRef idx="0">
+            <a:scrgbClr r="0" g="0" b="0"/>
+          </a:effectRef>
+          <a:fontRef idx="minor">
+            <a:schemeClr val="accent1"/>
+          </a:fontRef>
+        </p:style>
+        <p:txBody>
+          <a:bodyPr rtlCol="0" anchor="ctr"/>
+          <a:lstStyle/>
+          <a:p>
+            <a:pPr algn="ctr"/>
+            <a:endParaRPr lang="ko-KR" altLang="en-US"/>
+          </a:p>
+        </p:txBody>
+      </p:sp>
+      <p:pic>
+        <p:nvPicPr>
+          <p:cNvPr id="31" name="오디오 30">
+            <a:hlinkClick r:id="" action="ppaction://media"/>
+            <a:extLst>
+              <a:ext uri="{FF2B5EF4-FFF2-40B4-BE49-F238E27FC236}">
+                <a16:creationId xmlns:a16="http://schemas.microsoft.com/office/drawing/2014/main" id="{BA585149-F2C1-EFD1-1415-6CFE44467E7B}"/>
+              </a:ext>
+            </a:extLst>
+          </p:cNvPr>
+          <p:cNvPicPr>
+            <a:picLocks noChangeAspect="1"/>
+          </p:cNvPicPr>
+          <p:nvPr>
+            <a:audioFile r:link="rId2"/>
+            <p:extLst>
+              <p:ext uri="{DAA4B4D4-6D71-4841-9C94-3DE7FCFB9230}">
+                <p14:media xmlns:p14="http://schemas.microsoft.com/office/powerpoint/2010/main" r:embed="rId1"/>
+              </p:ext>
+            </p:extLst>
+          </p:nvPr>
+        </p:nvPicPr>
+        <p:blipFill>
+          <a:blip r:embed="rId5"/>
+          <a:srcRect l="-199396" t="-90625" r="-199396" b="-90625"/>
+          <a:stretch>
+            <a:fillRect/>
+          </a:stretch>
+        </p:blipFill>
+        <p:spPr>
+          <a:xfrm>
+            <a:off x="9147683" y="5143500"/>
+            <a:ext cx="3040633" cy="1714500"/>
+          </a:xfrm>
+          <a:prstGeom prst="rect">
+            <a:avLst/>
+          </a:prstGeom>
+        </p:spPr>
+      </p:pic>
+    </p:spTree>
+    <p:extLst>
+      <p:ext uri="{BB962C8B-B14F-4D97-AF65-F5344CB8AC3E}">
+        <p14:creationId xmlns:p14="http://schemas.microsoft.com/office/powerpoint/2010/main" val="2111006046"/>
+      </p:ext>
+    </p:extLst>
+  </p:cSld>
+  <p:clrMapOvr>
+    <a:masterClrMapping/>
+  </p:clrMapOvr>
+  <mc:AlternateContent xmlns:mc="http://schemas.openxmlformats.org/markup-compatibility/2006">
+    <mc:Choice xmlns:p14="http://schemas.microsoft.com/office/powerpoint/2010/main" Requires="p14">
+      <p:transition spd="slow" p14:dur="2000" advTm="3030"/>
+    </mc:Choice>
+    <mc:Fallback>
+      <p:transition spd="slow" advTm="3030"/>
+    </mc:Fallback>
+  </mc:AlternateContent>
+  <p:timing>
+    <p:tnLst>
+      <p:par>
+        <p:cTn id="1" dur="indefinite" restart="never" nodeType="tmRoot">
+          <p:childTnLst>
+            <p:seq concurrent="1" nextAc="seek">
+              <p:cTn id="2" dur="indefinite" nodeType="mainSeq">
+                <p:childTnLst>
+                  <p:par>
+                    <p:cTn id="3" fill="hold">
+                      <p:stCondLst>
+                        <p:cond delay="indefinite"/>
+                        <p:cond evt="onBegin" delay="0">
+                          <p:tn val="2"/>
+                        </p:cond>
+                      </p:stCondLst>
+                      <p:childTnLst>
+                        <p:par>
+                          <p:cTn id="4" fill="hold">
+                            <p:stCondLst>
+                              <p:cond delay="0"/>
+                            </p:stCondLst>
+                            <p:childTnLst>
+                              <p:par>
+                                <p:cTn id="5" presetID="1" presetClass="mediacall" presetSubtype="0" fill="hold" nodeType="afterEffect">
+                                  <p:stCondLst>
+                                    <p:cond delay="0"/>
+                                  </p:stCondLst>
+                                  <p:childTnLst>
+                                    <p:cmd type="call" cmd="playFrom(0.0)">
+                                      <p:cBhvr>
+                                        <p:cTn id="6" dur="1" fill="hold"/>
+                                        <p:tgtEl>
+                                          <p:spTgt spid="31"/>
+                                        </p:tgtEl>
+                                      </p:cBhvr>
+                                    </p:cmd>
+                                  </p:childTnLst>
+                                </p:cTn>
+                              </p:par>
+                            </p:childTnLst>
+                          </p:cTn>
+                        </p:par>
+                      </p:childTnLst>
+                    </p:cTn>
+                  </p:par>
+                </p:childTnLst>
+              </p:cTn>
+              <p:prevCondLst>
+                <p:cond evt="onPrev" delay="0">
+                  <p:tgtEl>
+                    <p:sldTgt/>
+                  </p:tgtEl>
+                </p:cond>
+              </p:prevCondLst>
+              <p:nextCondLst>
+                <p:cond evt="onNext" delay="0">
+                  <p:tgtEl>
+                    <p:sldTgt/>
+                  </p:tgtEl>
+                </p:cond>
+              </p:nextCondLst>
+            </p:seq>
+            <p:audio isNarration="1">
+              <p:cMediaNode vol="80000" showWhenStopped="0">
+                <p:cTn id="7" fill="hold" display="0">
+                  <p:stCondLst>
+                    <p:cond delay="indefinite"/>
+                  </p:stCondLst>
+                  <p:endCondLst>
+                    <p:cond evt="onStopAudio" delay="0">
+                      <p:tgtEl>
+                        <p:sldTgt/>
+                      </p:tgtEl>
+                    </p:cond>
+                  </p:endCondLst>
+                </p:cTn>
+                <p:tgtEl>
+                  <p:spTgt spid="31"/>
+                </p:tgtEl>
+              </p:cMediaNode>
+            </p:audio>
+          </p:childTnLst>
+        </p:cTn>
+      </p:par>
+    </p:tnLst>
+  </p:timing>
+</p:sld>
+</file>
+
+<file path=ppt/slides/slide2.xml><?xml version="1.0" encoding="utf-8"?>
+<p:sld xmlns:a="http://schemas.openxmlformats.org/drawingml/2006/main" xmlns:r="http://schemas.openxmlformats.org/officeDocument/2006/relationships" xmlns:p="http://schemas.openxmlformats.org/presentationml/2006/main">
+  <p:cSld>
+    <p:spTree>
+      <p:nvGrpSpPr>
+        <p:cNvPr id="1" name=""/>
+        <p:cNvGrpSpPr/>
+        <p:nvPr/>
+      </p:nvGrpSpPr>
+      <p:grpSpPr>
+        <a:xfrm>
+          <a:off x="0" y="0"/>
+          <a:ext cx="0" cy="0"/>
+          <a:chOff x="0" y="0"/>
+          <a:chExt cx="0" cy="0"/>
+        </a:xfrm>
+      </p:grpSpPr>
+      <p:sp>
+        <p:nvSpPr>
+          <p:cNvPr id="5" name="사각형: 둥근 모서리 4">
+            <a:extLst>
+              <a:ext uri="{FF2B5EF4-FFF2-40B4-BE49-F238E27FC236}">
+                <a16:creationId xmlns:a16="http://schemas.microsoft.com/office/drawing/2014/main" id="{81E55798-969F-DF1F-D892-D2F78342A6A7}"/>
+              </a:ext>
+            </a:extLst>
+          </p:cNvPr>
+          <p:cNvSpPr/>
+          <p:nvPr/>
+        </p:nvSpPr>
+        <p:spPr>
+          <a:xfrm>
+            <a:off x="708157" y="296025"/>
+            <a:ext cx="3872470" cy="1187719"/>
+          </a:xfrm>
+          <a:prstGeom prst="roundRect">
+            <a:avLst/>
+          </a:prstGeom>
+          <a:noFill/>
+          <a:ln w="9525" cap="flat" cmpd="sng" algn="ctr">
+            <a:solidFill>
+              <a:schemeClr val="accent1"/>
+            </a:solidFill>
+            <a:prstDash val="solid"/>
+            <a:round/>
+            <a:headEnd type="none" w="med" len="med"/>
+            <a:tailEnd type="none" w="med" len="med"/>
+          </a:ln>
+        </p:spPr>
+        <p:style>
+          <a:lnRef idx="0">
+            <a:scrgbClr r="0" g="0" b="0"/>
+          </a:lnRef>
+          <a:fillRef idx="0">
+            <a:scrgbClr r="0" g="0" b="0"/>
+          </a:fillRef>
+          <a:effectRef idx="0">
+            <a:scrgbClr r="0" g="0" b="0"/>
+          </a:effectRef>
+          <a:fontRef idx="minor">
+            <a:schemeClr val="accent1"/>
+          </a:fontRef>
+        </p:style>
+        <p:txBody>
+          <a:bodyPr rtlCol="0" anchor="ctr"/>
+          <a:lstStyle/>
+          <a:p>
+            <a:pPr algn="ctr"/>
+            <a:r>
+              <a:rPr lang="ko-KR" altLang="en-US" sz="6000" dirty="0">
+                <a:solidFill>
+                  <a:schemeClr val="tx1">
+                    <a:lumMod val="75000"/>
+                    <a:lumOff val="25000"/>
+                  </a:schemeClr>
+                </a:solidFill>
+              </a:rPr>
+              <a:t>목차</a:t>
+            </a:r>
+            <a:endParaRPr lang="ko-KR" altLang="en-US" sz="6000" dirty="0"/>
+          </a:p>
+        </p:txBody>
+      </p:sp>
+      <p:sp>
+        <p:nvSpPr>
+          <p:cNvPr id="8" name="TextBox 7">
+            <a:extLst>
+              <a:ext uri="{FF2B5EF4-FFF2-40B4-BE49-F238E27FC236}">
+                <a16:creationId xmlns:a16="http://schemas.microsoft.com/office/drawing/2014/main" id="{E7F530DF-CC53-FFD3-C754-48E495AB5B25}"/>
+              </a:ext>
+            </a:extLst>
+          </p:cNvPr>
+          <p:cNvSpPr txBox="1"/>
+          <p:nvPr/>
+        </p:nvSpPr>
+        <p:spPr>
+          <a:xfrm>
+            <a:off x="789317" y="2113472"/>
+            <a:ext cx="7306573" cy="3046988"/>
+          </a:xfrm>
+          <a:prstGeom prst="rect">
+            <a:avLst/>
+          </a:prstGeom>
+          <a:noFill/>
+        </p:spPr>
+        <p:txBody>
+          <a:bodyPr wrap="square" rtlCol="0">
+            <a:spAutoFit/>
+          </a:bodyPr>
+          <a:lstStyle/>
+          <a:p>
+            <a:pPr marL="285750" indent="-285750">
+              <a:buFont typeface="Arial" panose="020B0604020202020204" pitchFamily="34" charset="0"/>
+              <a:buChar char="•"/>
+            </a:pPr>
+            <a:r>
+              <a:rPr lang="en-US" altLang="ko-KR" sz="4800" dirty="0">
+                <a:latin typeface="새굴림" panose="02030600000101010101" pitchFamily="18" charset="-127"/>
+                <a:ea typeface="새굴림" panose="02030600000101010101" pitchFamily="18" charset="-127"/>
+              </a:rPr>
+              <a:t>1.</a:t>
+            </a:r>
+            <a:r>
+              <a:rPr lang="ko-KR" altLang="en-US" sz="4800" dirty="0">
+                <a:latin typeface="새굴림" panose="02030600000101010101" pitchFamily="18" charset="-127"/>
+                <a:ea typeface="새굴림" panose="02030600000101010101" pitchFamily="18" charset="-127"/>
+              </a:rPr>
+              <a:t> 게임 컨셉</a:t>
+            </a:r>
+            <a:endParaRPr lang="en-US" altLang="ko-KR" sz="4800" dirty="0">
+              <a:latin typeface="새굴림" panose="02030600000101010101" pitchFamily="18" charset="-127"/>
+              <a:ea typeface="새굴림" panose="02030600000101010101" pitchFamily="18" charset="-127"/>
+            </a:endParaRPr>
+          </a:p>
+          <a:p>
+            <a:pPr marL="285750" indent="-285750">
+              <a:buFont typeface="Arial" panose="020B0604020202020204" pitchFamily="34" charset="0"/>
+              <a:buChar char="•"/>
+            </a:pPr>
+            <a:r>
+              <a:rPr lang="en-US" altLang="ko-KR" sz="4800" dirty="0">
+                <a:latin typeface="새굴림" panose="02030600000101010101" pitchFamily="18" charset="-127"/>
+                <a:ea typeface="새굴림" panose="02030600000101010101" pitchFamily="18" charset="-127"/>
+              </a:rPr>
+              <a:t>2. </a:t>
+            </a:r>
+            <a:r>
+              <a:rPr lang="ko-KR" altLang="en-US" sz="4800" dirty="0">
+                <a:latin typeface="새굴림" panose="02030600000101010101" pitchFamily="18" charset="-127"/>
+                <a:ea typeface="새굴림" panose="02030600000101010101" pitchFamily="18" charset="-127"/>
+              </a:rPr>
+              <a:t>게임 예상 흐름도</a:t>
+            </a:r>
+            <a:endParaRPr lang="en-US" altLang="ko-KR" sz="4800" dirty="0">
+              <a:latin typeface="새굴림" panose="02030600000101010101" pitchFamily="18" charset="-127"/>
+              <a:ea typeface="새굴림" panose="02030600000101010101" pitchFamily="18" charset="-127"/>
+            </a:endParaRPr>
+          </a:p>
+          <a:p>
+            <a:pPr marL="285750" indent="-285750">
+              <a:buFont typeface="Arial" panose="020B0604020202020204" pitchFamily="34" charset="0"/>
+              <a:buChar char="•"/>
+            </a:pPr>
+            <a:r>
+              <a:rPr lang="en-US" altLang="ko-KR" sz="4800" dirty="0">
+                <a:latin typeface="새굴림" panose="02030600000101010101" pitchFamily="18" charset="-127"/>
+                <a:ea typeface="새굴림" panose="02030600000101010101" pitchFamily="18" charset="-127"/>
+              </a:rPr>
+              <a:t>3. </a:t>
+            </a:r>
+            <a:r>
+              <a:rPr lang="ko-KR" altLang="en-US" sz="4800" dirty="0">
+                <a:latin typeface="새굴림" panose="02030600000101010101" pitchFamily="18" charset="-127"/>
+                <a:ea typeface="새굴림" panose="02030600000101010101" pitchFamily="18" charset="-127"/>
+              </a:rPr>
+              <a:t>개발 범위</a:t>
+            </a:r>
+            <a:endParaRPr lang="en-US" altLang="ko-KR" sz="4800" dirty="0">
+              <a:latin typeface="새굴림" panose="02030600000101010101" pitchFamily="18" charset="-127"/>
+              <a:ea typeface="새굴림" panose="02030600000101010101" pitchFamily="18" charset="-127"/>
+            </a:endParaRPr>
+          </a:p>
+          <a:p>
+            <a:pPr marL="285750" indent="-285750">
+              <a:buFont typeface="Arial" panose="020B0604020202020204" pitchFamily="34" charset="0"/>
+              <a:buChar char="•"/>
+            </a:pPr>
+            <a:r>
+              <a:rPr lang="en-US" altLang="ko-KR" sz="4800" dirty="0">
+                <a:latin typeface="새굴림" panose="02030600000101010101" pitchFamily="18" charset="-127"/>
+                <a:ea typeface="새굴림" panose="02030600000101010101" pitchFamily="18" charset="-127"/>
+              </a:rPr>
+              <a:t>4. </a:t>
+            </a:r>
+            <a:r>
+              <a:rPr lang="ko-KR" altLang="en-US" sz="4800" dirty="0">
+                <a:latin typeface="새굴림" panose="02030600000101010101" pitchFamily="18" charset="-127"/>
+                <a:ea typeface="새굴림" panose="02030600000101010101" pitchFamily="18" charset="-127"/>
+              </a:rPr>
+              <a:t>개발 일정</a:t>
+            </a:r>
+          </a:p>
+        </p:txBody>
+      </p:sp>
+      <p:pic>
+        <p:nvPicPr>
+          <p:cNvPr id="46" name="오디오 45">
+            <a:hlinkClick r:id="" action="ppaction://media"/>
+            <a:extLst>
+              <a:ext uri="{FF2B5EF4-FFF2-40B4-BE49-F238E27FC236}">
+                <a16:creationId xmlns:a16="http://schemas.microsoft.com/office/drawing/2014/main" id="{E4519383-F4DD-B05A-3481-0188172BC581}"/>
+              </a:ext>
+            </a:extLst>
+          </p:cNvPr>
+          <p:cNvPicPr>
+            <a:picLocks noChangeAspect="1"/>
+          </p:cNvPicPr>
+          <p:nvPr>
+            <a:audioFile r:link="rId2"/>
+            <p:extLst>
+              <p:ext uri="{DAA4B4D4-6D71-4841-9C94-3DE7FCFB9230}">
+                <p14:media xmlns:p14="http://schemas.microsoft.com/office/powerpoint/2010/main" r:embed="rId1"/>
+              </p:ext>
+            </p:extLst>
+          </p:nvPr>
+        </p:nvPicPr>
+        <p:blipFill>
+          <a:blip r:embed="rId4"/>
+          <a:srcRect l="-199396" t="-90625" r="-199396" b="-90625"/>
+          <a:stretch>
+            <a:fillRect/>
+          </a:stretch>
+        </p:blipFill>
+        <p:spPr>
+          <a:xfrm>
+            <a:off x="9147683" y="5143500"/>
+            <a:ext cx="3040633" cy="1714500"/>
+          </a:xfrm>
+          <a:prstGeom prst="rect">
+            <a:avLst/>
+          </a:prstGeom>
+        </p:spPr>
+      </p:pic>
+    </p:spTree>
+    <p:extLst>
+      <p:ext uri="{BB962C8B-B14F-4D97-AF65-F5344CB8AC3E}">
+        <p14:creationId xmlns:p14="http://schemas.microsoft.com/office/powerpoint/2010/main" val="581943644"/>
+      </p:ext>
+    </p:extLst>
+  </p:cSld>
+  <p:clrMapOvr>
+    <a:masterClrMapping/>
+  </p:clrMapOvr>
+  <mc:AlternateContent xmlns:mc="http://schemas.openxmlformats.org/markup-compatibility/2006">
+    <mc:Choice xmlns:p14="http://schemas.microsoft.com/office/powerpoint/2010/main" Requires="p14">
+      <p:transition spd="slow" p14:dur="2000" advTm="3121"/>
+    </mc:Choice>
+    <mc:Fallback>
+      <p:transition spd="slow" advTm="3121"/>
+    </mc:Fallback>
+  </mc:AlternateContent>
+  <p:timing>
+    <p:tnLst>
+      <p:par>
+        <p:cTn id="1" dur="indefinite" restart="never" nodeType="tmRoot">
+          <p:childTnLst>
+            <p:seq concurrent="1" nextAc="seek">
+              <p:cTn id="2" dur="indefinite" nodeType="mainSeq">
+                <p:childTnLst>
+                  <p:par>
+                    <p:cTn id="3" fill="hold">
+                      <p:stCondLst>
+                        <p:cond delay="indefinite"/>
+                        <p:cond evt="onBegin" delay="0">
+                          <p:tn val="2"/>
+                        </p:cond>
+                      </p:stCondLst>
+                      <p:childTnLst>
+                        <p:par>
+                          <p:cTn id="4" fill="hold">
+                            <p:stCondLst>
+                              <p:cond delay="0"/>
+                            </p:stCondLst>
+                            <p:childTnLst>
+                              <p:par>
+                                <p:cTn id="5" presetID="1" presetClass="mediacall" presetSubtype="0" fill="hold" nodeType="afterEffect">
+                                  <p:stCondLst>
+                                    <p:cond delay="0"/>
+                                  </p:stCondLst>
+                                  <p:childTnLst>
+                                    <p:cmd type="call" cmd="playFrom(0.0)">
+                                      <p:cBhvr>
+                                        <p:cTn id="6" dur="1" fill="hold"/>
+                                        <p:tgtEl>
+                                          <p:spTgt spid="46"/>
+                                        </p:tgtEl>
+                                      </p:cBhvr>
+                                    </p:cmd>
+                                  </p:childTnLst>
+                                </p:cTn>
+                              </p:par>
+                            </p:childTnLst>
+                          </p:cTn>
+                        </p:par>
+                      </p:childTnLst>
+                    </p:cTn>
+                  </p:par>
+                </p:childTnLst>
+              </p:cTn>
+              <p:prevCondLst>
+                <p:cond evt="onPrev" delay="0">
+                  <p:tgtEl>
+                    <p:sldTgt/>
+                  </p:tgtEl>
+                </p:cond>
+              </p:prevCondLst>
+              <p:nextCondLst>
+                <p:cond evt="onNext" delay="0">
+                  <p:tgtEl>
+                    <p:sldTgt/>
+                  </p:tgtEl>
+                </p:cond>
+              </p:nextCondLst>
+            </p:seq>
+            <p:audio isNarration="1">
+              <p:cMediaNode vol="80000" showWhenStopped="0">
+                <p:cTn id="7" fill="hold" display="0">
+                  <p:stCondLst>
+                    <p:cond delay="indefinite"/>
+                  </p:stCondLst>
+                  <p:endCondLst>
+                    <p:cond evt="onStopAudio" delay="0">
+                      <p:tgtEl>
+                        <p:sldTgt/>
+                      </p:tgtEl>
+                    </p:cond>
+                  </p:endCondLst>
+                </p:cTn>
+                <p:tgtEl>
+                  <p:spTgt spid="46"/>
+                </p:tgtEl>
+              </p:cMediaNode>
+            </p:audio>
+          </p:childTnLst>
+        </p:cTn>
+      </p:par>
+    </p:tnLst>
+  </p:timing>
+</p:sld>
+</file>
+
+<file path=ppt/slides/slide3.xml><?xml version="1.0" encoding="utf-8"?>
+<p:sld xmlns:a="http://schemas.openxmlformats.org/drawingml/2006/main" xmlns:r="http://schemas.openxmlformats.org/officeDocument/2006/relationships" xmlns:p="http://schemas.openxmlformats.org/presentationml/2006/main">
+  <p:cSld>
+    <p:spTree>
+      <p:nvGrpSpPr>
+        <p:cNvPr id="1" name=""/>
+        <p:cNvGrpSpPr/>
+        <p:nvPr/>
+      </p:nvGrpSpPr>
+      <p:grpSpPr>
+        <a:xfrm>
+          <a:off x="0" y="0"/>
+          <a:ext cx="0" cy="0"/>
+          <a:chOff x="0" y="0"/>
+          <a:chExt cx="0" cy="0"/>
+        </a:xfrm>
+      </p:grpSpPr>
       <p:pic>
         <p:nvPicPr>
           <p:cNvPr id="1026" name="Picture 2" descr="뱀파이어 서바이벌 무기 조합! 꼭 알아두세요 : 네이버 포스트">
@@ -3345,7 +4488,7 @@
           <p:nvPr/>
         </p:nvPicPr>
         <p:blipFill>
-          <a:blip r:embed="rId2">
+          <a:blip r:embed="rId4">
             <a:extLst>
               <a:ext uri="{28A0092B-C50C-407E-A947-70E740481C1C}">
                 <a14:useLocalDpi xmlns:a14="http://schemas.microsoft.com/office/drawing/2010/main" val="0"/>
@@ -4031,6 +5174,45 @@
           </a:p>
         </p:txBody>
       </p:sp>
+      <p:pic>
+        <p:nvPicPr>
+          <p:cNvPr id="25" name="오디오 24">
+            <a:hlinkClick r:id="" action="ppaction://media"/>
+            <a:extLst>
+              <a:ext uri="{FF2B5EF4-FFF2-40B4-BE49-F238E27FC236}">
+                <a16:creationId xmlns:a16="http://schemas.microsoft.com/office/drawing/2014/main" id="{6C9A0EF0-F340-83F6-D5AF-5A4CDB48404B}"/>
+              </a:ext>
+            </a:extLst>
+          </p:cNvPr>
+          <p:cNvPicPr>
+            <a:picLocks noChangeAspect="1"/>
+          </p:cNvPicPr>
+          <p:nvPr>
+            <a:audioFile r:link="rId2"/>
+            <p:extLst>
+              <p:ext uri="{DAA4B4D4-6D71-4841-9C94-3DE7FCFB9230}">
+                <p14:media xmlns:p14="http://schemas.microsoft.com/office/powerpoint/2010/main" r:embed="rId1"/>
+              </p:ext>
+            </p:extLst>
+          </p:nvPr>
+        </p:nvPicPr>
+        <p:blipFill>
+          <a:blip r:embed="rId5"/>
+          <a:srcRect l="-199396" t="-90625" r="-199396" b="-90625"/>
+          <a:stretch>
+            <a:fillRect/>
+          </a:stretch>
+        </p:blipFill>
+        <p:spPr>
+          <a:xfrm>
+            <a:off x="9147683" y="5143500"/>
+            <a:ext cx="3040633" cy="1714500"/>
+          </a:xfrm>
+          <a:prstGeom prst="rect">
+            <a:avLst/>
+          </a:prstGeom>
+        </p:spPr>
+      </p:pic>
     </p:spTree>
     <p:extLst>
       <p:ext uri="{BB962C8B-B14F-4D97-AF65-F5344CB8AC3E}">
@@ -4041,10 +5223,105 @@
   <p:clrMapOvr>
     <a:masterClrMapping/>
   </p:clrMapOvr>
+  <mc:AlternateContent xmlns:mc="http://schemas.openxmlformats.org/markup-compatibility/2006">
+    <mc:Choice xmlns:p14="http://schemas.microsoft.com/office/powerpoint/2010/main" Requires="p14">
+      <p:transition spd="slow" p14:dur="2000" advTm="9658"/>
+    </mc:Choice>
+    <mc:Fallback>
+      <p:transition spd="slow" advTm="9658"/>
+    </mc:Fallback>
+  </mc:AlternateContent>
+  <p:timing>
+    <p:tnLst>
+      <p:par>
+        <p:cTn id="1" dur="indefinite" restart="never" nodeType="tmRoot">
+          <p:childTnLst>
+            <p:seq concurrent="1" nextAc="seek">
+              <p:cTn id="2" dur="indefinite" nodeType="mainSeq">
+                <p:childTnLst>
+                  <p:par>
+                    <p:cTn id="3" fill="hold">
+                      <p:stCondLst>
+                        <p:cond delay="indefinite"/>
+                        <p:cond evt="onBegin" delay="0">
+                          <p:tn val="2"/>
+                        </p:cond>
+                      </p:stCondLst>
+                      <p:childTnLst>
+                        <p:par>
+                          <p:cTn id="4" fill="hold">
+                            <p:stCondLst>
+                              <p:cond delay="0"/>
+                            </p:stCondLst>
+                            <p:childTnLst>
+                              <p:par>
+                                <p:cTn id="5" presetID="1" presetClass="mediacall" presetSubtype="0" fill="hold" nodeType="afterEffect">
+                                  <p:stCondLst>
+                                    <p:cond delay="0"/>
+                                  </p:stCondLst>
+                                  <p:childTnLst>
+                                    <p:cmd type="call" cmd="playFrom(0.0)">
+                                      <p:cBhvr>
+                                        <p:cTn id="6" dur="1" fill="hold"/>
+                                        <p:tgtEl>
+                                          <p:spTgt spid="25"/>
+                                        </p:tgtEl>
+                                      </p:cBhvr>
+                                    </p:cmd>
+                                  </p:childTnLst>
+                                </p:cTn>
+                              </p:par>
+                            </p:childTnLst>
+                          </p:cTn>
+                        </p:par>
+                      </p:childTnLst>
+                    </p:cTn>
+                  </p:par>
+                </p:childTnLst>
+              </p:cTn>
+              <p:prevCondLst>
+                <p:cond evt="onPrev" delay="0">
+                  <p:tgtEl>
+                    <p:sldTgt/>
+                  </p:tgtEl>
+                </p:cond>
+              </p:prevCondLst>
+              <p:nextCondLst>
+                <p:cond evt="onNext" delay="0">
+                  <p:tgtEl>
+                    <p:sldTgt/>
+                  </p:tgtEl>
+                </p:cond>
+              </p:nextCondLst>
+            </p:seq>
+            <p:audio isNarration="1">
+              <p:cMediaNode vol="80000" showWhenStopped="0">
+                <p:cTn id="7" fill="hold" display="0">
+                  <p:stCondLst>
+                    <p:cond delay="indefinite"/>
+                  </p:stCondLst>
+                  <p:endCondLst>
+                    <p:cond evt="onStopAudio" delay="0">
+                      <p:tgtEl>
+                        <p:sldTgt/>
+                      </p:tgtEl>
+                    </p:cond>
+                  </p:endCondLst>
+                </p:cTn>
+                <p:tgtEl>
+                  <p:spTgt spid="25"/>
+                </p:tgtEl>
+              </p:cMediaNode>
+            </p:audio>
+          </p:childTnLst>
+        </p:cTn>
+      </p:par>
+    </p:tnLst>
+  </p:timing>
 </p:sld>
 </file>
 
-<file path=ppt/slides/slide2.xml><?xml version="1.0" encoding="utf-8"?>
+<file path=ppt/slides/slide4.xml><?xml version="1.0" encoding="utf-8"?>
 <p:sld xmlns:a="http://schemas.openxmlformats.org/drawingml/2006/main" xmlns:r="http://schemas.openxmlformats.org/officeDocument/2006/relationships" xmlns:p="http://schemas.openxmlformats.org/presentationml/2006/main">
   <p:cSld>
     <p:spTree>
@@ -4076,7 +5353,7 @@
           <p:nvPr/>
         </p:nvPicPr>
         <p:blipFill rotWithShape="1">
-          <a:blip r:embed="rId2">
+          <a:blip r:embed="rId4">
             <a:extLst>
               <a:ext uri="{28A0092B-C50C-407E-A947-70E740481C1C}">
                 <a14:useLocalDpi xmlns:a14="http://schemas.microsoft.com/office/drawing/2010/main" val="0"/>
@@ -4111,7 +5388,7 @@
           <p:nvPr/>
         </p:nvPicPr>
         <p:blipFill rotWithShape="1">
-          <a:blip r:embed="rId2">
+          <a:blip r:embed="rId4">
             <a:extLst>
               <a:ext uri="{28A0092B-C50C-407E-A947-70E740481C1C}">
                 <a14:useLocalDpi xmlns:a14="http://schemas.microsoft.com/office/drawing/2010/main" val="0"/>
@@ -4146,7 +5423,7 @@
           <p:nvPr/>
         </p:nvPicPr>
         <p:blipFill rotWithShape="1">
-          <a:blip r:embed="rId2">
+          <a:blip r:embed="rId4">
             <a:extLst>
               <a:ext uri="{28A0092B-C50C-407E-A947-70E740481C1C}">
                 <a14:useLocalDpi xmlns:a14="http://schemas.microsoft.com/office/drawing/2010/main" val="0"/>
@@ -4181,7 +5458,7 @@
           <p:nvPr/>
         </p:nvPicPr>
         <p:blipFill rotWithShape="1">
-          <a:blip r:embed="rId2">
+          <a:blip r:embed="rId4">
             <a:extLst>
               <a:ext uri="{28A0092B-C50C-407E-A947-70E740481C1C}">
                 <a14:useLocalDpi xmlns:a14="http://schemas.microsoft.com/office/drawing/2010/main" val="0"/>
@@ -4216,7 +5493,7 @@
           <p:nvPr/>
         </p:nvPicPr>
         <p:blipFill rotWithShape="1">
-          <a:blip r:embed="rId2">
+          <a:blip r:embed="rId4">
             <a:extLst>
               <a:ext uri="{28A0092B-C50C-407E-A947-70E740481C1C}">
                 <a14:useLocalDpi xmlns:a14="http://schemas.microsoft.com/office/drawing/2010/main" val="0"/>
@@ -4251,7 +5528,7 @@
           <p:nvPr/>
         </p:nvPicPr>
         <p:blipFill rotWithShape="1">
-          <a:blip r:embed="rId2">
+          <a:blip r:embed="rId4">
             <a:extLst>
               <a:ext uri="{28A0092B-C50C-407E-A947-70E740481C1C}">
                 <a14:useLocalDpi xmlns:a14="http://schemas.microsoft.com/office/drawing/2010/main" val="0"/>
@@ -4286,7 +5563,7 @@
           <p:nvPr/>
         </p:nvPicPr>
         <p:blipFill rotWithShape="1">
-          <a:blip r:embed="rId2">
+          <a:blip r:embed="rId4">
             <a:extLst>
               <a:ext uri="{28A0092B-C50C-407E-A947-70E740481C1C}">
                 <a14:useLocalDpi xmlns:a14="http://schemas.microsoft.com/office/drawing/2010/main" val="0"/>
@@ -4321,7 +5598,7 @@
           <p:nvPr/>
         </p:nvPicPr>
         <p:blipFill rotWithShape="1">
-          <a:blip r:embed="rId2">
+          <a:blip r:embed="rId4">
             <a:extLst>
               <a:ext uri="{28A0092B-C50C-407E-A947-70E740481C1C}">
                 <a14:useLocalDpi xmlns:a14="http://schemas.microsoft.com/office/drawing/2010/main" val="0"/>
@@ -4356,7 +5633,7 @@
           <p:nvPr/>
         </p:nvPicPr>
         <p:blipFill rotWithShape="1">
-          <a:blip r:embed="rId2">
+          <a:blip r:embed="rId4">
             <a:extLst>
               <a:ext uri="{28A0092B-C50C-407E-A947-70E740481C1C}">
                 <a14:useLocalDpi xmlns:a14="http://schemas.microsoft.com/office/drawing/2010/main" val="0"/>
@@ -4391,7 +5668,7 @@
           <p:nvPr/>
         </p:nvPicPr>
         <p:blipFill rotWithShape="1">
-          <a:blip r:embed="rId2">
+          <a:blip r:embed="rId4">
             <a:extLst>
               <a:ext uri="{28A0092B-C50C-407E-A947-70E740481C1C}">
                 <a14:useLocalDpi xmlns:a14="http://schemas.microsoft.com/office/drawing/2010/main" val="0"/>
@@ -4426,7 +5703,7 @@
           <p:nvPr/>
         </p:nvPicPr>
         <p:blipFill rotWithShape="1">
-          <a:blip r:embed="rId2">
+          <a:blip r:embed="rId4">
             <a:extLst>
               <a:ext uri="{28A0092B-C50C-407E-A947-70E740481C1C}">
                 <a14:useLocalDpi xmlns:a14="http://schemas.microsoft.com/office/drawing/2010/main" val="0"/>
@@ -4461,7 +5738,7 @@
           <p:nvPr/>
         </p:nvPicPr>
         <p:blipFill rotWithShape="1">
-          <a:blip r:embed="rId2">
+          <a:blip r:embed="rId4">
             <a:extLst>
               <a:ext uri="{28A0092B-C50C-407E-A947-70E740481C1C}">
                 <a14:useLocalDpi xmlns:a14="http://schemas.microsoft.com/office/drawing/2010/main" val="0"/>
@@ -4496,7 +5773,7 @@
           <p:nvPr/>
         </p:nvPicPr>
         <p:blipFill rotWithShape="1">
-          <a:blip r:embed="rId2">
+          <a:blip r:embed="rId4">
             <a:extLst>
               <a:ext uri="{28A0092B-C50C-407E-A947-70E740481C1C}">
                 <a14:useLocalDpi xmlns:a14="http://schemas.microsoft.com/office/drawing/2010/main" val="0"/>
@@ -4531,7 +5808,7 @@
           <p:nvPr/>
         </p:nvPicPr>
         <p:blipFill rotWithShape="1">
-          <a:blip r:embed="rId2">
+          <a:blip r:embed="rId4">
             <a:extLst>
               <a:ext uri="{28A0092B-C50C-407E-A947-70E740481C1C}">
                 <a14:useLocalDpi xmlns:a14="http://schemas.microsoft.com/office/drawing/2010/main" val="0"/>
@@ -4566,7 +5843,7 @@
           <p:nvPr/>
         </p:nvPicPr>
         <p:blipFill rotWithShape="1">
-          <a:blip r:embed="rId3">
+          <a:blip r:embed="rId5">
             <a:extLst>
               <a:ext uri="{28A0092B-C50C-407E-A947-70E740481C1C}">
                 <a14:useLocalDpi xmlns:a14="http://schemas.microsoft.com/office/drawing/2010/main" val="0"/>
@@ -4601,7 +5878,7 @@
           <p:nvPr/>
         </p:nvPicPr>
         <p:blipFill rotWithShape="1">
-          <a:blip r:embed="rId3">
+          <a:blip r:embed="rId5">
             <a:extLst>
               <a:ext uri="{28A0092B-C50C-407E-A947-70E740481C1C}">
                 <a14:useLocalDpi xmlns:a14="http://schemas.microsoft.com/office/drawing/2010/main" val="0"/>
@@ -4636,7 +5913,7 @@
           <p:nvPr/>
         </p:nvPicPr>
         <p:blipFill rotWithShape="1">
-          <a:blip r:embed="rId3">
+          <a:blip r:embed="rId5">
             <a:extLst>
               <a:ext uri="{28A0092B-C50C-407E-A947-70E740481C1C}">
                 <a14:useLocalDpi xmlns:a14="http://schemas.microsoft.com/office/drawing/2010/main" val="0"/>
@@ -4671,7 +5948,7 @@
           <p:nvPr/>
         </p:nvPicPr>
         <p:blipFill rotWithShape="1">
-          <a:blip r:embed="rId3">
+          <a:blip r:embed="rId5">
             <a:extLst>
               <a:ext uri="{28A0092B-C50C-407E-A947-70E740481C1C}">
                 <a14:useLocalDpi xmlns:a14="http://schemas.microsoft.com/office/drawing/2010/main" val="0"/>
@@ -4706,7 +5983,7 @@
           <p:nvPr/>
         </p:nvPicPr>
         <p:blipFill rotWithShape="1">
-          <a:blip r:embed="rId4">
+          <a:blip r:embed="rId6">
             <a:extLst>
               <a:ext uri="{28A0092B-C50C-407E-A947-70E740481C1C}">
                 <a14:useLocalDpi xmlns:a14="http://schemas.microsoft.com/office/drawing/2010/main" val="0"/>
@@ -4741,7 +6018,7 @@
           <p:nvPr/>
         </p:nvPicPr>
         <p:blipFill>
-          <a:blip r:embed="rId5">
+          <a:blip r:embed="rId7">
             <a:extLst>
               <a:ext uri="{28A0092B-C50C-407E-A947-70E740481C1C}">
                 <a14:useLocalDpi xmlns:a14="http://schemas.microsoft.com/office/drawing/2010/main" val="0"/>
@@ -4777,7 +6054,7 @@
           <p:nvPr/>
         </p:nvPicPr>
         <p:blipFill rotWithShape="1">
-          <a:blip r:embed="rId6">
+          <a:blip r:embed="rId8">
             <a:extLst>
               <a:ext uri="{28A0092B-C50C-407E-A947-70E740481C1C}">
                 <a14:useLocalDpi xmlns:a14="http://schemas.microsoft.com/office/drawing/2010/main" val="0"/>
@@ -4812,7 +6089,7 @@
           <p:nvPr/>
         </p:nvPicPr>
         <p:blipFill>
-          <a:blip r:embed="rId7">
+          <a:blip r:embed="rId9">
             <a:extLst>
               <a:ext uri="{28A0092B-C50C-407E-A947-70E740481C1C}">
                 <a14:useLocalDpi xmlns:a14="http://schemas.microsoft.com/office/drawing/2010/main" val="0"/>
@@ -4848,7 +6125,7 @@
           <p:nvPr/>
         </p:nvPicPr>
         <p:blipFill>
-          <a:blip r:embed="rId7">
+          <a:blip r:embed="rId9">
             <a:extLst>
               <a:ext uri="{28A0092B-C50C-407E-A947-70E740481C1C}">
                 <a14:useLocalDpi xmlns:a14="http://schemas.microsoft.com/office/drawing/2010/main" val="0"/>
@@ -4884,7 +6161,7 @@
           <p:nvPr/>
         </p:nvPicPr>
         <p:blipFill>
-          <a:blip r:embed="rId7">
+          <a:blip r:embed="rId9">
             <a:extLst>
               <a:ext uri="{28A0092B-C50C-407E-A947-70E740481C1C}">
                 <a14:useLocalDpi xmlns:a14="http://schemas.microsoft.com/office/drawing/2010/main" val="0"/>
@@ -4920,7 +6197,7 @@
           <p:nvPr/>
         </p:nvPicPr>
         <p:blipFill rotWithShape="1">
-          <a:blip r:embed="rId8">
+          <a:blip r:embed="rId10">
             <a:extLst>
               <a:ext uri="{28A0092B-C50C-407E-A947-70E740481C1C}">
                 <a14:useLocalDpi xmlns:a14="http://schemas.microsoft.com/office/drawing/2010/main" val="0"/>
@@ -4955,7 +6232,7 @@
           <p:nvPr/>
         </p:nvPicPr>
         <p:blipFill>
-          <a:blip r:embed="rId9">
+          <a:blip r:embed="rId11">
             <a:extLst>
               <a:ext uri="{28A0092B-C50C-407E-A947-70E740481C1C}">
                 <a14:useLocalDpi xmlns:a14="http://schemas.microsoft.com/office/drawing/2010/main" val="0"/>
@@ -5228,7 +6505,7 @@
           <p:nvPr/>
         </p:nvPicPr>
         <p:blipFill rotWithShape="1">
-          <a:blip r:embed="rId8">
+          <a:blip r:embed="rId10">
             <a:extLst>
               <a:ext uri="{28A0092B-C50C-407E-A947-70E740481C1C}">
                 <a14:useLocalDpi xmlns:a14="http://schemas.microsoft.com/office/drawing/2010/main" val="0"/>
@@ -5263,7 +6540,7 @@
           <p:nvPr/>
         </p:nvPicPr>
         <p:blipFill rotWithShape="1">
-          <a:blip r:embed="rId8">
+          <a:blip r:embed="rId10">
             <a:extLst>
               <a:ext uri="{28A0092B-C50C-407E-A947-70E740481C1C}">
                 <a14:useLocalDpi xmlns:a14="http://schemas.microsoft.com/office/drawing/2010/main" val="0"/>
@@ -5298,7 +6575,7 @@
           <p:nvPr/>
         </p:nvPicPr>
         <p:blipFill rotWithShape="1">
-          <a:blip r:embed="rId8">
+          <a:blip r:embed="rId10">
             <a:extLst>
               <a:ext uri="{28A0092B-C50C-407E-A947-70E740481C1C}">
                 <a14:useLocalDpi xmlns:a14="http://schemas.microsoft.com/office/drawing/2010/main" val="0"/>
@@ -5333,7 +6610,7 @@
           <p:nvPr/>
         </p:nvPicPr>
         <p:blipFill rotWithShape="1">
-          <a:blip r:embed="rId8">
+          <a:blip r:embed="rId10">
             <a:extLst>
               <a:ext uri="{28A0092B-C50C-407E-A947-70E740481C1C}">
                 <a14:useLocalDpi xmlns:a14="http://schemas.microsoft.com/office/drawing/2010/main" val="0"/>
@@ -5420,7 +6697,7 @@
           <p:nvPr/>
         </p:nvPicPr>
         <p:blipFill>
-          <a:blip r:embed="rId10">
+          <a:blip r:embed="rId12">
             <a:extLst>
               <a:ext uri="{28A0092B-C50C-407E-A947-70E740481C1C}">
                 <a14:useLocalDpi xmlns:a14="http://schemas.microsoft.com/office/drawing/2010/main" val="0"/>
@@ -5435,6 +6712,45 @@
           <a:xfrm>
             <a:off x="1027978" y="169381"/>
             <a:ext cx="464734" cy="619645"/>
+          </a:xfrm>
+          <a:prstGeom prst="rect">
+            <a:avLst/>
+          </a:prstGeom>
+        </p:spPr>
+      </p:pic>
+      <p:pic>
+        <p:nvPicPr>
+          <p:cNvPr id="57" name="오디오 56">
+            <a:hlinkClick r:id="" action="ppaction://media"/>
+            <a:extLst>
+              <a:ext uri="{FF2B5EF4-FFF2-40B4-BE49-F238E27FC236}">
+                <a16:creationId xmlns:a16="http://schemas.microsoft.com/office/drawing/2014/main" id="{0E3176C6-B136-F306-CB2E-9A04739258C5}"/>
+              </a:ext>
+            </a:extLst>
+          </p:cNvPr>
+          <p:cNvPicPr>
+            <a:picLocks noChangeAspect="1"/>
+          </p:cNvPicPr>
+          <p:nvPr>
+            <a:audioFile r:link="rId2"/>
+            <p:extLst>
+              <p:ext uri="{DAA4B4D4-6D71-4841-9C94-3DE7FCFB9230}">
+                <p14:media xmlns:p14="http://schemas.microsoft.com/office/powerpoint/2010/main" r:embed="rId1"/>
+              </p:ext>
+            </p:extLst>
+          </p:nvPr>
+        </p:nvPicPr>
+        <p:blipFill>
+          <a:blip r:embed="rId13"/>
+          <a:srcRect l="-199396" t="-90625" r="-199396" b="-90625"/>
+          <a:stretch>
+            <a:fillRect/>
+          </a:stretch>
+        </p:blipFill>
+        <p:spPr>
+          <a:xfrm>
+            <a:off x="9147683" y="5143500"/>
+            <a:ext cx="3040633" cy="1714500"/>
           </a:xfrm>
           <a:prstGeom prst="rect">
             <a:avLst/>
@@ -5451,10 +6767,105 @@
   <p:clrMapOvr>
     <a:masterClrMapping/>
   </p:clrMapOvr>
+  <mc:AlternateContent xmlns:mc="http://schemas.openxmlformats.org/markup-compatibility/2006">
+    <mc:Choice xmlns:p14="http://schemas.microsoft.com/office/powerpoint/2010/main" Requires="p14">
+      <p:transition spd="slow" p14:dur="2000" advTm="16682"/>
+    </mc:Choice>
+    <mc:Fallback>
+      <p:transition spd="slow" advTm="16682"/>
+    </mc:Fallback>
+  </mc:AlternateContent>
+  <p:timing>
+    <p:tnLst>
+      <p:par>
+        <p:cTn id="1" dur="indefinite" restart="never" nodeType="tmRoot">
+          <p:childTnLst>
+            <p:seq concurrent="1" nextAc="seek">
+              <p:cTn id="2" dur="indefinite" nodeType="mainSeq">
+                <p:childTnLst>
+                  <p:par>
+                    <p:cTn id="3" fill="hold">
+                      <p:stCondLst>
+                        <p:cond delay="indefinite"/>
+                        <p:cond evt="onBegin" delay="0">
+                          <p:tn val="2"/>
+                        </p:cond>
+                      </p:stCondLst>
+                      <p:childTnLst>
+                        <p:par>
+                          <p:cTn id="4" fill="hold">
+                            <p:stCondLst>
+                              <p:cond delay="0"/>
+                            </p:stCondLst>
+                            <p:childTnLst>
+                              <p:par>
+                                <p:cTn id="5" presetID="1" presetClass="mediacall" presetSubtype="0" fill="hold" nodeType="afterEffect">
+                                  <p:stCondLst>
+                                    <p:cond delay="0"/>
+                                  </p:stCondLst>
+                                  <p:childTnLst>
+                                    <p:cmd type="call" cmd="playFrom(0.0)">
+                                      <p:cBhvr>
+                                        <p:cTn id="6" dur="1" fill="hold"/>
+                                        <p:tgtEl>
+                                          <p:spTgt spid="57"/>
+                                        </p:tgtEl>
+                                      </p:cBhvr>
+                                    </p:cmd>
+                                  </p:childTnLst>
+                                </p:cTn>
+                              </p:par>
+                            </p:childTnLst>
+                          </p:cTn>
+                        </p:par>
+                      </p:childTnLst>
+                    </p:cTn>
+                  </p:par>
+                </p:childTnLst>
+              </p:cTn>
+              <p:prevCondLst>
+                <p:cond evt="onPrev" delay="0">
+                  <p:tgtEl>
+                    <p:sldTgt/>
+                  </p:tgtEl>
+                </p:cond>
+              </p:prevCondLst>
+              <p:nextCondLst>
+                <p:cond evt="onNext" delay="0">
+                  <p:tgtEl>
+                    <p:sldTgt/>
+                  </p:tgtEl>
+                </p:cond>
+              </p:nextCondLst>
+            </p:seq>
+            <p:audio isNarration="1">
+              <p:cMediaNode vol="80000" showWhenStopped="0">
+                <p:cTn id="7" fill="hold" display="0">
+                  <p:stCondLst>
+                    <p:cond delay="indefinite"/>
+                  </p:stCondLst>
+                  <p:endCondLst>
+                    <p:cond evt="onStopAudio" delay="0">
+                      <p:tgtEl>
+                        <p:sldTgt/>
+                      </p:tgtEl>
+                    </p:cond>
+                  </p:endCondLst>
+                </p:cTn>
+                <p:tgtEl>
+                  <p:spTgt spid="57"/>
+                </p:tgtEl>
+              </p:cMediaNode>
+            </p:audio>
+          </p:childTnLst>
+        </p:cTn>
+      </p:par>
+    </p:tnLst>
+  </p:timing>
 </p:sld>
 </file>
 
-<file path=ppt/slides/slide3.xml><?xml version="1.0" encoding="utf-8"?>
+<file path=ppt/slides/slide5.xml><?xml version="1.0" encoding="utf-8"?>
 <p:sld xmlns:a="http://schemas.openxmlformats.org/drawingml/2006/main" xmlns:r="http://schemas.openxmlformats.org/officeDocument/2006/relationships" xmlns:p="http://schemas.openxmlformats.org/presentationml/2006/main">
   <p:cSld>
     <p:spTree>
@@ -5486,7 +6897,7 @@
           <p:nvPr/>
         </p:nvPicPr>
         <p:blipFill rotWithShape="1">
-          <a:blip r:embed="rId2">
+          <a:blip r:embed="rId4">
             <a:extLst>
               <a:ext uri="{28A0092B-C50C-407E-A947-70E740481C1C}">
                 <a14:useLocalDpi xmlns:a14="http://schemas.microsoft.com/office/drawing/2010/main" val="0"/>
@@ -5521,7 +6932,7 @@
           <p:nvPr/>
         </p:nvPicPr>
         <p:blipFill rotWithShape="1">
-          <a:blip r:embed="rId2">
+          <a:blip r:embed="rId4">
             <a:extLst>
               <a:ext uri="{28A0092B-C50C-407E-A947-70E740481C1C}">
                 <a14:useLocalDpi xmlns:a14="http://schemas.microsoft.com/office/drawing/2010/main" val="0"/>
@@ -5556,7 +6967,7 @@
           <p:nvPr/>
         </p:nvPicPr>
         <p:blipFill rotWithShape="1">
-          <a:blip r:embed="rId2">
+          <a:blip r:embed="rId4">
             <a:extLst>
               <a:ext uri="{28A0092B-C50C-407E-A947-70E740481C1C}">
                 <a14:useLocalDpi xmlns:a14="http://schemas.microsoft.com/office/drawing/2010/main" val="0"/>
@@ -5591,7 +7002,7 @@
           <p:nvPr/>
         </p:nvPicPr>
         <p:blipFill rotWithShape="1">
-          <a:blip r:embed="rId2">
+          <a:blip r:embed="rId4">
             <a:extLst>
               <a:ext uri="{28A0092B-C50C-407E-A947-70E740481C1C}">
                 <a14:useLocalDpi xmlns:a14="http://schemas.microsoft.com/office/drawing/2010/main" val="0"/>
@@ -5626,7 +7037,7 @@
           <p:nvPr/>
         </p:nvPicPr>
         <p:blipFill rotWithShape="1">
-          <a:blip r:embed="rId2">
+          <a:blip r:embed="rId4">
             <a:extLst>
               <a:ext uri="{28A0092B-C50C-407E-A947-70E740481C1C}">
                 <a14:useLocalDpi xmlns:a14="http://schemas.microsoft.com/office/drawing/2010/main" val="0"/>
@@ -5661,7 +7072,7 @@
           <p:nvPr/>
         </p:nvPicPr>
         <p:blipFill rotWithShape="1">
-          <a:blip r:embed="rId2">
+          <a:blip r:embed="rId4">
             <a:extLst>
               <a:ext uri="{28A0092B-C50C-407E-A947-70E740481C1C}">
                 <a14:useLocalDpi xmlns:a14="http://schemas.microsoft.com/office/drawing/2010/main" val="0"/>
@@ -5696,7 +7107,7 @@
           <p:nvPr/>
         </p:nvPicPr>
         <p:blipFill rotWithShape="1">
-          <a:blip r:embed="rId2">
+          <a:blip r:embed="rId4">
             <a:extLst>
               <a:ext uri="{28A0092B-C50C-407E-A947-70E740481C1C}">
                 <a14:useLocalDpi xmlns:a14="http://schemas.microsoft.com/office/drawing/2010/main" val="0"/>
@@ -5731,7 +7142,7 @@
           <p:nvPr/>
         </p:nvPicPr>
         <p:blipFill rotWithShape="1">
-          <a:blip r:embed="rId2">
+          <a:blip r:embed="rId4">
             <a:extLst>
               <a:ext uri="{28A0092B-C50C-407E-A947-70E740481C1C}">
                 <a14:useLocalDpi xmlns:a14="http://schemas.microsoft.com/office/drawing/2010/main" val="0"/>
@@ -5766,7 +7177,7 @@
           <p:nvPr/>
         </p:nvPicPr>
         <p:blipFill rotWithShape="1">
-          <a:blip r:embed="rId2">
+          <a:blip r:embed="rId4">
             <a:extLst>
               <a:ext uri="{28A0092B-C50C-407E-A947-70E740481C1C}">
                 <a14:useLocalDpi xmlns:a14="http://schemas.microsoft.com/office/drawing/2010/main" val="0"/>
@@ -5801,7 +7212,7 @@
           <p:nvPr/>
         </p:nvPicPr>
         <p:blipFill rotWithShape="1">
-          <a:blip r:embed="rId2">
+          <a:blip r:embed="rId4">
             <a:extLst>
               <a:ext uri="{28A0092B-C50C-407E-A947-70E740481C1C}">
                 <a14:useLocalDpi xmlns:a14="http://schemas.microsoft.com/office/drawing/2010/main" val="0"/>
@@ -5836,7 +7247,7 @@
           <p:nvPr/>
         </p:nvPicPr>
         <p:blipFill rotWithShape="1">
-          <a:blip r:embed="rId2">
+          <a:blip r:embed="rId4">
             <a:extLst>
               <a:ext uri="{28A0092B-C50C-407E-A947-70E740481C1C}">
                 <a14:useLocalDpi xmlns:a14="http://schemas.microsoft.com/office/drawing/2010/main" val="0"/>
@@ -5871,7 +7282,7 @@
           <p:nvPr/>
         </p:nvPicPr>
         <p:blipFill rotWithShape="1">
-          <a:blip r:embed="rId2">
+          <a:blip r:embed="rId4">
             <a:extLst>
               <a:ext uri="{28A0092B-C50C-407E-A947-70E740481C1C}">
                 <a14:useLocalDpi xmlns:a14="http://schemas.microsoft.com/office/drawing/2010/main" val="0"/>
@@ -5906,7 +7317,7 @@
           <p:nvPr/>
         </p:nvPicPr>
         <p:blipFill rotWithShape="1">
-          <a:blip r:embed="rId2">
+          <a:blip r:embed="rId4">
             <a:extLst>
               <a:ext uri="{28A0092B-C50C-407E-A947-70E740481C1C}">
                 <a14:useLocalDpi xmlns:a14="http://schemas.microsoft.com/office/drawing/2010/main" val="0"/>
@@ -5941,7 +7352,7 @@
           <p:nvPr/>
         </p:nvPicPr>
         <p:blipFill rotWithShape="1">
-          <a:blip r:embed="rId2">
+          <a:blip r:embed="rId4">
             <a:extLst>
               <a:ext uri="{28A0092B-C50C-407E-A947-70E740481C1C}">
                 <a14:useLocalDpi xmlns:a14="http://schemas.microsoft.com/office/drawing/2010/main" val="0"/>
@@ -5976,7 +7387,7 @@
           <p:nvPr/>
         </p:nvPicPr>
         <p:blipFill rotWithShape="1">
-          <a:blip r:embed="rId3">
+          <a:blip r:embed="rId5">
             <a:extLst>
               <a:ext uri="{28A0092B-C50C-407E-A947-70E740481C1C}">
                 <a14:useLocalDpi xmlns:a14="http://schemas.microsoft.com/office/drawing/2010/main" val="0"/>
@@ -6011,7 +7422,7 @@
           <p:nvPr/>
         </p:nvPicPr>
         <p:blipFill rotWithShape="1">
-          <a:blip r:embed="rId3">
+          <a:blip r:embed="rId5">
             <a:extLst>
               <a:ext uri="{28A0092B-C50C-407E-A947-70E740481C1C}">
                 <a14:useLocalDpi xmlns:a14="http://schemas.microsoft.com/office/drawing/2010/main" val="0"/>
@@ -6046,7 +7457,7 @@
           <p:nvPr/>
         </p:nvPicPr>
         <p:blipFill rotWithShape="1">
-          <a:blip r:embed="rId3">
+          <a:blip r:embed="rId5">
             <a:extLst>
               <a:ext uri="{28A0092B-C50C-407E-A947-70E740481C1C}">
                 <a14:useLocalDpi xmlns:a14="http://schemas.microsoft.com/office/drawing/2010/main" val="0"/>
@@ -6081,7 +7492,7 @@
           <p:nvPr/>
         </p:nvPicPr>
         <p:blipFill rotWithShape="1">
-          <a:blip r:embed="rId3">
+          <a:blip r:embed="rId5">
             <a:extLst>
               <a:ext uri="{28A0092B-C50C-407E-A947-70E740481C1C}">
                 <a14:useLocalDpi xmlns:a14="http://schemas.microsoft.com/office/drawing/2010/main" val="0"/>
@@ -6116,7 +7527,7 @@
           <p:nvPr/>
         </p:nvPicPr>
         <p:blipFill rotWithShape="1">
-          <a:blip r:embed="rId4">
+          <a:blip r:embed="rId6">
             <a:extLst>
               <a:ext uri="{28A0092B-C50C-407E-A947-70E740481C1C}">
                 <a14:useLocalDpi xmlns:a14="http://schemas.microsoft.com/office/drawing/2010/main" val="0"/>
@@ -6151,7 +7562,7 @@
           <p:nvPr/>
         </p:nvPicPr>
         <p:blipFill>
-          <a:blip r:embed="rId5">
+          <a:blip r:embed="rId7">
             <a:extLst>
               <a:ext uri="{28A0092B-C50C-407E-A947-70E740481C1C}">
                 <a14:useLocalDpi xmlns:a14="http://schemas.microsoft.com/office/drawing/2010/main" val="0"/>
@@ -6187,7 +7598,7 @@
           <p:nvPr/>
         </p:nvPicPr>
         <p:blipFill rotWithShape="1">
-          <a:blip r:embed="rId6">
+          <a:blip r:embed="rId8">
             <a:extLst>
               <a:ext uri="{28A0092B-C50C-407E-A947-70E740481C1C}">
                 <a14:useLocalDpi xmlns:a14="http://schemas.microsoft.com/office/drawing/2010/main" val="0"/>
@@ -6222,7 +7633,7 @@
           <p:nvPr/>
         </p:nvPicPr>
         <p:blipFill>
-          <a:blip r:embed="rId7">
+          <a:blip r:embed="rId9">
             <a:extLst>
               <a:ext uri="{28A0092B-C50C-407E-A947-70E740481C1C}">
                 <a14:useLocalDpi xmlns:a14="http://schemas.microsoft.com/office/drawing/2010/main" val="0"/>
@@ -6258,7 +7669,7 @@
           <p:nvPr/>
         </p:nvPicPr>
         <p:blipFill>
-          <a:blip r:embed="rId7">
+          <a:blip r:embed="rId9">
             <a:extLst>
               <a:ext uri="{28A0092B-C50C-407E-A947-70E740481C1C}">
                 <a14:useLocalDpi xmlns:a14="http://schemas.microsoft.com/office/drawing/2010/main" val="0"/>
@@ -6294,7 +7705,7 @@
           <p:nvPr/>
         </p:nvPicPr>
         <p:blipFill>
-          <a:blip r:embed="rId7">
+          <a:blip r:embed="rId9">
             <a:extLst>
               <a:ext uri="{28A0092B-C50C-407E-A947-70E740481C1C}">
                 <a14:useLocalDpi xmlns:a14="http://schemas.microsoft.com/office/drawing/2010/main" val="0"/>
@@ -6330,7 +7741,7 @@
           <p:nvPr/>
         </p:nvPicPr>
         <p:blipFill rotWithShape="1">
-          <a:blip r:embed="rId8">
+          <a:blip r:embed="rId10">
             <a:extLst>
               <a:ext uri="{28A0092B-C50C-407E-A947-70E740481C1C}">
                 <a14:useLocalDpi xmlns:a14="http://schemas.microsoft.com/office/drawing/2010/main" val="0"/>
@@ -6365,7 +7776,7 @@
           <p:nvPr/>
         </p:nvPicPr>
         <p:blipFill>
-          <a:blip r:embed="rId9">
+          <a:blip r:embed="rId11">
             <a:extLst>
               <a:ext uri="{28A0092B-C50C-407E-A947-70E740481C1C}">
                 <a14:useLocalDpi xmlns:a14="http://schemas.microsoft.com/office/drawing/2010/main" val="0"/>
@@ -6401,7 +7812,7 @@
           <p:nvPr/>
         </p:nvPicPr>
         <p:blipFill>
-          <a:blip r:embed="rId10">
+          <a:blip r:embed="rId12">
             <a:extLst>
               <a:ext uri="{28A0092B-C50C-407E-A947-70E740481C1C}">
                 <a14:useLocalDpi xmlns:a14="http://schemas.microsoft.com/office/drawing/2010/main" val="0"/>
@@ -6489,7 +7900,7 @@
           <p:nvPr/>
         </p:nvPicPr>
         <p:blipFill>
-          <a:blip r:embed="rId11">
+          <a:blip r:embed="rId13">
             <a:extLst>
               <a:ext uri="{28A0092B-C50C-407E-A947-70E740481C1C}">
                 <a14:useLocalDpi xmlns:a14="http://schemas.microsoft.com/office/drawing/2010/main" val="0"/>
@@ -6525,7 +7936,7 @@
           <p:nvPr/>
         </p:nvPicPr>
         <p:blipFill>
-          <a:blip r:embed="rId12">
+          <a:blip r:embed="rId14">
             <a:extLst>
               <a:ext uri="{28A0092B-C50C-407E-A947-70E740481C1C}">
                 <a14:useLocalDpi xmlns:a14="http://schemas.microsoft.com/office/drawing/2010/main" val="0"/>
@@ -6561,7 +7972,7 @@
           <p:nvPr/>
         </p:nvPicPr>
         <p:blipFill>
-          <a:blip r:embed="rId12">
+          <a:blip r:embed="rId14">
             <a:extLst>
               <a:ext uri="{28A0092B-C50C-407E-A947-70E740481C1C}">
                 <a14:useLocalDpi xmlns:a14="http://schemas.microsoft.com/office/drawing/2010/main" val="0"/>
@@ -6597,7 +8008,7 @@
           <p:nvPr/>
         </p:nvPicPr>
         <p:blipFill>
-          <a:blip r:embed="rId12">
+          <a:blip r:embed="rId14">
             <a:extLst>
               <a:ext uri="{28A0092B-C50C-407E-A947-70E740481C1C}">
                 <a14:useLocalDpi xmlns:a14="http://schemas.microsoft.com/office/drawing/2010/main" val="0"/>
@@ -6633,7 +8044,7 @@
           <p:nvPr/>
         </p:nvPicPr>
         <p:blipFill>
-          <a:blip r:embed="rId12">
+          <a:blip r:embed="rId14">
             <a:extLst>
               <a:ext uri="{28A0092B-C50C-407E-A947-70E740481C1C}">
                 <a14:useLocalDpi xmlns:a14="http://schemas.microsoft.com/office/drawing/2010/main" val="0"/>
@@ -6669,7 +8080,7 @@
           <p:nvPr/>
         </p:nvPicPr>
         <p:blipFill>
-          <a:blip r:embed="rId12">
+          <a:blip r:embed="rId14">
             <a:extLst>
               <a:ext uri="{28A0092B-C50C-407E-A947-70E740481C1C}">
                 <a14:useLocalDpi xmlns:a14="http://schemas.microsoft.com/office/drawing/2010/main" val="0"/>
@@ -6705,7 +8116,7 @@
           <p:nvPr/>
         </p:nvPicPr>
         <p:blipFill>
-          <a:blip r:embed="rId13">
+          <a:blip r:embed="rId15">
             <a:extLst>
               <a:ext uri="{28A0092B-C50C-407E-A947-70E740481C1C}">
                 <a14:useLocalDpi xmlns:a14="http://schemas.microsoft.com/office/drawing/2010/main" val="0"/>
@@ -6930,6 +8341,45 @@
           </a:p>
         </p:txBody>
       </p:sp>
+      <p:pic>
+        <p:nvPicPr>
+          <p:cNvPr id="77" name="오디오 76">
+            <a:hlinkClick r:id="" action="ppaction://media"/>
+            <a:extLst>
+              <a:ext uri="{FF2B5EF4-FFF2-40B4-BE49-F238E27FC236}">
+                <a16:creationId xmlns:a16="http://schemas.microsoft.com/office/drawing/2014/main" id="{9536D716-D74B-6887-F945-B9EAB4882443}"/>
+              </a:ext>
+            </a:extLst>
+          </p:cNvPr>
+          <p:cNvPicPr>
+            <a:picLocks noChangeAspect="1"/>
+          </p:cNvPicPr>
+          <p:nvPr>
+            <a:audioFile r:link="rId2"/>
+            <p:extLst>
+              <p:ext uri="{DAA4B4D4-6D71-4841-9C94-3DE7FCFB9230}">
+                <p14:media xmlns:p14="http://schemas.microsoft.com/office/powerpoint/2010/main" r:embed="rId1"/>
+              </p:ext>
+            </p:extLst>
+          </p:nvPr>
+        </p:nvPicPr>
+        <p:blipFill>
+          <a:blip r:embed="rId16"/>
+          <a:srcRect l="-199396" t="-90625" r="-199396" b="-90625"/>
+          <a:stretch>
+            <a:fillRect/>
+          </a:stretch>
+        </p:blipFill>
+        <p:spPr>
+          <a:xfrm>
+            <a:off x="9147683" y="5143500"/>
+            <a:ext cx="3040633" cy="1714500"/>
+          </a:xfrm>
+          <a:prstGeom prst="rect">
+            <a:avLst/>
+          </a:prstGeom>
+        </p:spPr>
+      </p:pic>
     </p:spTree>
     <p:extLst>
       <p:ext uri="{BB962C8B-B14F-4D97-AF65-F5344CB8AC3E}">
@@ -6940,10 +8390,105 @@
   <p:clrMapOvr>
     <a:masterClrMapping/>
   </p:clrMapOvr>
+  <mc:AlternateContent xmlns:mc="http://schemas.openxmlformats.org/markup-compatibility/2006">
+    <mc:Choice xmlns:p14="http://schemas.microsoft.com/office/powerpoint/2010/main" Requires="p14">
+      <p:transition spd="slow" p14:dur="2000" advTm="7012"/>
+    </mc:Choice>
+    <mc:Fallback>
+      <p:transition spd="slow" advTm="7012"/>
+    </mc:Fallback>
+  </mc:AlternateContent>
+  <p:timing>
+    <p:tnLst>
+      <p:par>
+        <p:cTn id="1" dur="indefinite" restart="never" nodeType="tmRoot">
+          <p:childTnLst>
+            <p:seq concurrent="1" nextAc="seek">
+              <p:cTn id="2" dur="indefinite" nodeType="mainSeq">
+                <p:childTnLst>
+                  <p:par>
+                    <p:cTn id="3" fill="hold">
+                      <p:stCondLst>
+                        <p:cond delay="indefinite"/>
+                        <p:cond evt="onBegin" delay="0">
+                          <p:tn val="2"/>
+                        </p:cond>
+                      </p:stCondLst>
+                      <p:childTnLst>
+                        <p:par>
+                          <p:cTn id="4" fill="hold">
+                            <p:stCondLst>
+                              <p:cond delay="0"/>
+                            </p:stCondLst>
+                            <p:childTnLst>
+                              <p:par>
+                                <p:cTn id="5" presetID="1" presetClass="mediacall" presetSubtype="0" fill="hold" nodeType="afterEffect">
+                                  <p:stCondLst>
+                                    <p:cond delay="0"/>
+                                  </p:stCondLst>
+                                  <p:childTnLst>
+                                    <p:cmd type="call" cmd="playFrom(0.0)">
+                                      <p:cBhvr>
+                                        <p:cTn id="6" dur="1" fill="hold"/>
+                                        <p:tgtEl>
+                                          <p:spTgt spid="77"/>
+                                        </p:tgtEl>
+                                      </p:cBhvr>
+                                    </p:cmd>
+                                  </p:childTnLst>
+                                </p:cTn>
+                              </p:par>
+                            </p:childTnLst>
+                          </p:cTn>
+                        </p:par>
+                      </p:childTnLst>
+                    </p:cTn>
+                  </p:par>
+                </p:childTnLst>
+              </p:cTn>
+              <p:prevCondLst>
+                <p:cond evt="onPrev" delay="0">
+                  <p:tgtEl>
+                    <p:sldTgt/>
+                  </p:tgtEl>
+                </p:cond>
+              </p:prevCondLst>
+              <p:nextCondLst>
+                <p:cond evt="onNext" delay="0">
+                  <p:tgtEl>
+                    <p:sldTgt/>
+                  </p:tgtEl>
+                </p:cond>
+              </p:nextCondLst>
+            </p:seq>
+            <p:audio isNarration="1">
+              <p:cMediaNode vol="80000" showWhenStopped="0">
+                <p:cTn id="7" fill="hold" display="0">
+                  <p:stCondLst>
+                    <p:cond delay="indefinite"/>
+                  </p:stCondLst>
+                  <p:endCondLst>
+                    <p:cond evt="onStopAudio" delay="0">
+                      <p:tgtEl>
+                        <p:sldTgt/>
+                      </p:tgtEl>
+                    </p:cond>
+                  </p:endCondLst>
+                </p:cTn>
+                <p:tgtEl>
+                  <p:spTgt spid="77"/>
+                </p:tgtEl>
+              </p:cMediaNode>
+            </p:audio>
+          </p:childTnLst>
+        </p:cTn>
+      </p:par>
+    </p:tnLst>
+  </p:timing>
 </p:sld>
 </file>
 
-<file path=ppt/slides/slide4.xml><?xml version="1.0" encoding="utf-8"?>
+<file path=ppt/slides/slide6.xml><?xml version="1.0" encoding="utf-8"?>
 <p:sld xmlns:a="http://schemas.openxmlformats.org/drawingml/2006/main" xmlns:r="http://schemas.openxmlformats.org/officeDocument/2006/relationships" xmlns:p="http://schemas.openxmlformats.org/presentationml/2006/main">
   <p:cSld>
     <p:spTree>
@@ -6975,14 +8520,14 @@
           <p:nvPr>
             <p:extLst>
               <p:ext uri="{D42A27DB-BD31-4B8C-83A1-F6EECF244321}">
-                <p14:modId xmlns:p14="http://schemas.microsoft.com/office/powerpoint/2010/main" val="567337027"/>
+                <p14:modId xmlns:p14="http://schemas.microsoft.com/office/powerpoint/2010/main" val="3879508317"/>
               </p:ext>
             </p:extLst>
           </p:nvPr>
         </p:nvGraphicFramePr>
         <p:xfrm>
-          <a:off x="1338470" y="147836"/>
-          <a:ext cx="9086575" cy="6798145"/>
+          <a:off x="1346859" y="114166"/>
+          <a:ext cx="9086575" cy="6629667"/>
         </p:xfrm>
         <a:graphic>
           <a:graphicData uri="http://schemas.openxmlformats.org/drawingml/2006/table">
@@ -7185,7 +8730,7 @@
                   </a:ext>
                 </a:extLst>
               </a:tr>
-              <a:tr h="810224">
+              <a:tr h="596173">
                 <a:tc>
                   <a:txBody>
                     <a:bodyPr/>
@@ -7199,7 +8744,7 @@
                       <a:r>
                         <a:rPr lang="ko-KR" altLang="en-US" dirty="0">
                           <a:solidFill>
-                            <a:schemeClr val="bg1"/>
+                            <a:schemeClr val="tx1"/>
                           </a:solidFill>
                         </a:rPr>
                         <a:t>캐릭터 컨트롤</a:t>
@@ -7257,30 +8802,30 @@
                     <a:p>
                       <a:pPr algn="ctr" latinLnBrk="1"/>
                       <a:r>
-                        <a:rPr lang="ko-KR" altLang="en-US" dirty="0"/>
+                        <a:rPr lang="ko-KR" altLang="en-US" sz="1600" dirty="0"/>
                         <a:t> </a:t>
                       </a:r>
                       <a:r>
-                        <a:rPr lang="ko-KR" altLang="en-US" dirty="0" err="1"/>
+                        <a:rPr lang="ko-KR" altLang="en-US" sz="1600" dirty="0" err="1"/>
                         <a:t>좌우상하</a:t>
                       </a:r>
                       <a:r>
-                        <a:rPr lang="ko-KR" altLang="en-US" dirty="0"/>
+                        <a:rPr lang="ko-KR" altLang="en-US" sz="1600" dirty="0"/>
                         <a:t> </a:t>
                       </a:r>
                       <a:r>
-                        <a:rPr lang="en-US" altLang="ko-KR" dirty="0"/>
+                        <a:rPr lang="en-US" altLang="ko-KR" sz="1600" dirty="0"/>
                         <a:t>4</a:t>
                       </a:r>
                       <a:r>
-                        <a:rPr lang="ko-KR" altLang="en-US" dirty="0"/>
+                        <a:rPr lang="ko-KR" altLang="en-US" sz="1600" dirty="0"/>
                         <a:t>방향 이동 구현</a:t>
                       </a:r>
-                      <a:endParaRPr lang="en-US" altLang="ko-KR" dirty="0"/>
+                      <a:endParaRPr lang="en-US" altLang="ko-KR" sz="1600" dirty="0"/>
                     </a:p>
                     <a:p>
                       <a:pPr latinLnBrk="1"/>
-                      <a:endParaRPr lang="ko-KR" altLang="en-US" dirty="0"/>
+                      <a:endParaRPr lang="ko-KR" altLang="en-US" sz="1600" dirty="0"/>
                     </a:p>
                   </a:txBody>
                   <a:tcPr>
@@ -7332,19 +8877,19 @@
                     <a:p>
                       <a:pPr latinLnBrk="1"/>
                       <a:r>
-                        <a:rPr lang="ko-KR" altLang="en-US" dirty="0" err="1"/>
+                        <a:rPr lang="ko-KR" altLang="en-US" sz="1600" dirty="0" err="1"/>
                         <a:t>좌우상하만으로</a:t>
                       </a:r>
                       <a:r>
-                        <a:rPr lang="ko-KR" altLang="en-US" dirty="0"/>
+                        <a:rPr lang="ko-KR" altLang="en-US" sz="1600" dirty="0"/>
                         <a:t> </a:t>
                       </a:r>
                       <a:r>
-                        <a:rPr lang="en-US" altLang="ko-KR" dirty="0"/>
+                        <a:rPr lang="en-US" altLang="ko-KR" sz="1600" dirty="0"/>
                         <a:t>360</a:t>
                       </a:r>
                       <a:r>
-                        <a:rPr lang="ko-KR" altLang="en-US" dirty="0"/>
+                        <a:rPr lang="ko-KR" altLang="en-US" sz="1600" dirty="0"/>
                         <a:t>도 자유롭게 움직이게 하기</a:t>
                       </a:r>
                     </a:p>
@@ -7403,7 +8948,11 @@
                     <a:bodyPr/>
                     <a:lstStyle/>
                     <a:p>
-                      <a:pPr latinLnBrk="1"/>
+                      <a:pPr algn="ctr" latinLnBrk="1"/>
+                      <a:endParaRPr lang="en-US" altLang="ko-KR" dirty="0"/>
+                    </a:p>
+                    <a:p>
+                      <a:pPr algn="ctr" latinLnBrk="1"/>
                       <a:r>
                         <a:rPr lang="ko-KR" altLang="en-US" dirty="0"/>
                         <a:t>캐릭터 스킬 시스템</a:t>
@@ -7461,23 +9010,23 @@
                     <a:p>
                       <a:pPr latinLnBrk="1"/>
                       <a:r>
-                        <a:rPr lang="ko-KR" altLang="en-US" dirty="0"/>
+                        <a:rPr lang="ko-KR" altLang="en-US" sz="1600" dirty="0"/>
                         <a:t>플레이어에게 지정된 스킬을 마우스 혹은 특정 </a:t>
                       </a:r>
                       <a:r>
-                        <a:rPr lang="en-US" altLang="ko-KR" dirty="0"/>
+                        <a:rPr lang="en-US" altLang="ko-KR" sz="1600" dirty="0"/>
                         <a:t>Key(</a:t>
                       </a:r>
                       <a:r>
-                        <a:rPr lang="ko-KR" altLang="en-US" dirty="0"/>
+                        <a:rPr lang="ko-KR" altLang="en-US" sz="1600" dirty="0"/>
                         <a:t>스페이스바</a:t>
                       </a:r>
                       <a:r>
-                        <a:rPr lang="en-US" altLang="ko-KR" dirty="0"/>
+                        <a:rPr lang="en-US" altLang="ko-KR" sz="1600" dirty="0"/>
                         <a:t>)</a:t>
                       </a:r>
                       <a:r>
-                        <a:rPr lang="ko-KR" altLang="en-US" dirty="0"/>
+                        <a:rPr lang="ko-KR" altLang="en-US" sz="1600" dirty="0"/>
                         <a:t>로 사용하게 하기</a:t>
                       </a:r>
                     </a:p>
@@ -7531,30 +9080,30 @@
                     <a:p>
                       <a:pPr latinLnBrk="1"/>
                       <a:r>
-                        <a:rPr lang="ko-KR" altLang="en-US" dirty="0"/>
+                        <a:rPr lang="ko-KR" altLang="en-US" sz="1600" dirty="0"/>
                         <a:t>스킬마다 효과가 </a:t>
                       </a:r>
                       <a:r>
-                        <a:rPr lang="ko-KR" altLang="en-US" dirty="0" err="1"/>
+                        <a:rPr lang="ko-KR" altLang="en-US" sz="1600" dirty="0" err="1"/>
                         <a:t>달라야한다</a:t>
                       </a:r>
                       <a:r>
-                        <a:rPr lang="en-US" altLang="ko-KR" dirty="0"/>
+                        <a:rPr lang="en-US" altLang="ko-KR" sz="1600" dirty="0"/>
                         <a:t>.</a:t>
                       </a:r>
                     </a:p>
                     <a:p>
                       <a:pPr latinLnBrk="1"/>
                       <a:r>
-                        <a:rPr lang="ko-KR" altLang="en-US" dirty="0"/>
+                        <a:rPr lang="ko-KR" altLang="en-US" sz="1600" dirty="0"/>
                         <a:t>스킬은 몬스터를 맞추어도 죽이는 용도가 아닌 </a:t>
                       </a:r>
                       <a:r>
-                        <a:rPr lang="ko-KR" altLang="en-US" dirty="0" err="1"/>
+                        <a:rPr lang="ko-KR" altLang="en-US" sz="1600" dirty="0" err="1"/>
                         <a:t>넉백</a:t>
                       </a:r>
                       <a:r>
-                        <a:rPr lang="ko-KR" altLang="en-US" dirty="0"/>
+                        <a:rPr lang="ko-KR" altLang="en-US" sz="1600" dirty="0"/>
                         <a:t> 혹은 플레이어 주변에서 멀리 보내기 용도</a:t>
                       </a:r>
                     </a:p>
@@ -7613,7 +9162,11 @@
                     <a:bodyPr/>
                     <a:lstStyle/>
                     <a:p>
-                      <a:pPr latinLnBrk="1"/>
+                      <a:pPr algn="ctr" latinLnBrk="1">
+                        <a:lnSpc>
+                          <a:spcPct val="200000"/>
+                        </a:lnSpc>
+                      </a:pPr>
                       <a:r>
                         <a:rPr lang="ko-KR" altLang="en-US" dirty="0"/>
                         <a:t>몬스터 </a:t>
@@ -7676,23 +9229,23 @@
                     <a:p>
                       <a:pPr latinLnBrk="1"/>
                       <a:r>
-                        <a:rPr lang="ko-KR" altLang="en-US" dirty="0"/>
+                        <a:rPr lang="ko-KR" altLang="en-US" sz="1600" dirty="0"/>
                         <a:t>몬스터에게 설정된 </a:t>
                       </a:r>
                       <a:r>
-                        <a:rPr lang="en-US" altLang="ko-KR" dirty="0"/>
+                        <a:rPr lang="en-US" altLang="ko-KR" sz="1600" dirty="0"/>
                         <a:t>Speed</a:t>
                       </a:r>
                       <a:r>
-                        <a:rPr lang="ko-KR" altLang="en-US" dirty="0"/>
+                        <a:rPr lang="ko-KR" altLang="en-US" sz="1600" dirty="0"/>
                         <a:t>로 플레이어를 </a:t>
                       </a:r>
                       <a:r>
-                        <a:rPr lang="ko-KR" altLang="en-US" dirty="0" err="1"/>
+                        <a:rPr lang="ko-KR" altLang="en-US" sz="1600" dirty="0" err="1"/>
                         <a:t>쫒아가게</a:t>
                       </a:r>
                       <a:r>
-                        <a:rPr lang="ko-KR" altLang="en-US" dirty="0"/>
+                        <a:rPr lang="ko-KR" altLang="en-US" sz="1600" dirty="0"/>
                         <a:t> 하기</a:t>
                       </a:r>
                     </a:p>
@@ -7746,14 +9299,22 @@
                     <a:p>
                       <a:pPr latinLnBrk="1"/>
                       <a:r>
-                        <a:rPr lang="ko-KR" altLang="en-US" dirty="0"/>
+                        <a:rPr lang="ko-KR" altLang="en-US" sz="1600" dirty="0"/>
                         <a:t>플레이어의 카메라에서 벗어나면 플레이어 주변으로 다시 </a:t>
                       </a:r>
                       <a:r>
-                        <a:rPr lang="ko-KR" altLang="en-US" dirty="0" err="1"/>
+                        <a:rPr lang="ko-KR" altLang="en-US" sz="1600" dirty="0" err="1"/>
                         <a:t>리스폰</a:t>
                       </a:r>
-                      <a:endParaRPr lang="en-US" altLang="ko-KR" dirty="0"/>
+                      <a:endParaRPr lang="en-US" altLang="ko-KR" sz="1600" dirty="0"/>
+                    </a:p>
+                    <a:p>
+                      <a:pPr latinLnBrk="1"/>
+                      <a:r>
+                        <a:rPr lang="ko-KR" altLang="en-US" sz="1600" dirty="0"/>
+                        <a:t>장애물이 있으면 피해서 플레이어에게 도달</a:t>
+                      </a:r>
+                      <a:endParaRPr lang="en-US" altLang="ko-KR" sz="1600" dirty="0"/>
                     </a:p>
                   </a:txBody>
                   <a:tcPr>
@@ -7810,7 +9371,11 @@
                     <a:bodyPr/>
                     <a:lstStyle/>
                     <a:p>
-                      <a:pPr latinLnBrk="1"/>
+                      <a:pPr algn="ctr" latinLnBrk="1">
+                        <a:lnSpc>
+                          <a:spcPct val="200000"/>
+                        </a:lnSpc>
+                      </a:pPr>
                       <a:r>
                         <a:rPr lang="ko-KR" altLang="en-US" dirty="0"/>
                         <a:t>난이도</a:t>
@@ -7868,35 +9433,35 @@
                     <a:p>
                       <a:pPr latinLnBrk="1"/>
                       <a:r>
-                        <a:rPr lang="ko-KR" altLang="en-US" dirty="0"/>
+                        <a:rPr lang="ko-KR" altLang="en-US" sz="1600" dirty="0"/>
                         <a:t>일정 시간 </a:t>
                       </a:r>
                       <a:r>
-                        <a:rPr lang="en-US" altLang="ko-KR" dirty="0"/>
+                        <a:rPr lang="en-US" altLang="ko-KR" sz="1600" dirty="0"/>
                         <a:t>(1</a:t>
                       </a:r>
                       <a:r>
-                        <a:rPr lang="ko-KR" altLang="en-US" dirty="0"/>
+                        <a:rPr lang="ko-KR" altLang="en-US" sz="1600" dirty="0"/>
                         <a:t>분 단위</a:t>
                       </a:r>
                       <a:r>
-                        <a:rPr lang="en-US" altLang="ko-KR" dirty="0"/>
+                        <a:rPr lang="en-US" altLang="ko-KR" sz="1600" dirty="0"/>
                         <a:t>)</a:t>
                       </a:r>
                       <a:r>
-                        <a:rPr lang="ko-KR" altLang="en-US" dirty="0"/>
+                        <a:rPr lang="ko-KR" altLang="en-US" sz="1600" dirty="0"/>
                         <a:t>가 </a:t>
                       </a:r>
                       <a:r>
-                        <a:rPr lang="ko-KR" altLang="en-US" dirty="0" err="1"/>
+                        <a:rPr lang="ko-KR" altLang="en-US" sz="1600" dirty="0" err="1"/>
                         <a:t>지날때마다</a:t>
                       </a:r>
                       <a:r>
-                        <a:rPr lang="en-US" altLang="ko-KR" dirty="0"/>
+                        <a:rPr lang="en-US" altLang="ko-KR" sz="1600" dirty="0"/>
                         <a:t>. </a:t>
                       </a:r>
                       <a:r>
-                        <a:rPr lang="ko-KR" altLang="en-US" dirty="0"/>
+                        <a:rPr lang="ko-KR" altLang="en-US" sz="1600" dirty="0"/>
                         <a:t>난이도 상승</a:t>
                       </a:r>
                     </a:p>
@@ -7950,7 +9515,7 @@
                     <a:p>
                       <a:pPr latinLnBrk="1"/>
                       <a:r>
-                        <a:rPr lang="ko-KR" altLang="en-US" dirty="0"/>
+                        <a:rPr lang="ko-KR" altLang="en-US" sz="1600" dirty="0"/>
                         <a:t>일정 시간이 지나면 플레이어는 스킬을 얻으며 나타나는 몬스터의 수가 늘어나거나 타입이 바뀜</a:t>
                       </a:r>
                     </a:p>
@@ -8009,7 +9574,11 @@
                     <a:bodyPr/>
                     <a:lstStyle/>
                     <a:p>
-                      <a:pPr latinLnBrk="1"/>
+                      <a:pPr algn="ctr" latinLnBrk="1">
+                        <a:lnSpc>
+                          <a:spcPct val="200000"/>
+                        </a:lnSpc>
+                      </a:pPr>
                       <a:r>
                         <a:rPr lang="ko-KR" altLang="en-US" dirty="0"/>
                         <a:t>게임기능</a:t>
@@ -8067,47 +9636,47 @@
                     <a:p>
                       <a:pPr latinLnBrk="1"/>
                       <a:r>
-                        <a:rPr lang="ko-KR" altLang="en-US" dirty="0"/>
+                        <a:rPr lang="ko-KR" altLang="en-US" sz="1600" dirty="0"/>
                         <a:t>몬스터에게 </a:t>
                       </a:r>
                       <a:r>
-                        <a:rPr lang="ko-KR" altLang="en-US" dirty="0" err="1"/>
+                        <a:rPr lang="ko-KR" altLang="en-US" sz="1600" dirty="0" err="1"/>
                         <a:t>피격시</a:t>
                       </a:r>
                       <a:r>
-                        <a:rPr lang="ko-KR" altLang="en-US" dirty="0"/>
+                        <a:rPr lang="ko-KR" altLang="en-US" sz="1600" dirty="0"/>
                         <a:t> 목숨 감소</a:t>
                       </a:r>
-                      <a:endParaRPr lang="en-US" altLang="ko-KR" dirty="0"/>
+                      <a:endParaRPr lang="en-US" altLang="ko-KR" sz="1600" dirty="0"/>
                     </a:p>
                     <a:p>
                       <a:pPr latinLnBrk="1"/>
                       <a:r>
-                        <a:rPr lang="ko-KR" altLang="en-US" dirty="0"/>
+                        <a:rPr lang="ko-KR" altLang="en-US" sz="1600" dirty="0"/>
                         <a:t>적 제거 시 특별 코인을 획득</a:t>
                       </a:r>
-                      <a:endParaRPr lang="en-US" altLang="ko-KR" dirty="0"/>
+                      <a:endParaRPr lang="en-US" altLang="ko-KR" sz="1600" dirty="0"/>
                     </a:p>
                     <a:p>
                       <a:pPr latinLnBrk="1"/>
                       <a:r>
-                        <a:rPr lang="ko-KR" altLang="en-US" dirty="0"/>
+                        <a:rPr lang="ko-KR" altLang="en-US" sz="1600" dirty="0"/>
                         <a:t>일정 시간</a:t>
                       </a:r>
                       <a:r>
-                        <a:rPr lang="en-US" altLang="ko-KR" dirty="0"/>
+                        <a:rPr lang="en-US" altLang="ko-KR" sz="1600" dirty="0"/>
                         <a:t>(10</a:t>
                       </a:r>
                       <a:r>
-                        <a:rPr lang="ko-KR" altLang="en-US" dirty="0"/>
+                        <a:rPr lang="ko-KR" altLang="en-US" sz="1600" dirty="0"/>
                         <a:t>분</a:t>
                       </a:r>
                       <a:r>
-                        <a:rPr lang="en-US" altLang="ko-KR" dirty="0"/>
+                        <a:rPr lang="en-US" altLang="ko-KR" sz="1600" dirty="0"/>
                         <a:t>)</a:t>
                       </a:r>
                       <a:r>
-                        <a:rPr lang="ko-KR" altLang="en-US" dirty="0"/>
+                        <a:rPr lang="ko-KR" altLang="en-US" sz="1600" dirty="0"/>
                         <a:t>을 버티면 게임 클리어</a:t>
                       </a:r>
                     </a:p>
@@ -8217,7 +9786,11 @@
                     <a:bodyPr/>
                     <a:lstStyle/>
                     <a:p>
-                      <a:pPr latinLnBrk="1"/>
+                      <a:pPr algn="ctr" latinLnBrk="1">
+                        <a:lnSpc>
+                          <a:spcPct val="250000"/>
+                        </a:lnSpc>
+                      </a:pPr>
                       <a:r>
                         <a:rPr lang="ko-KR" altLang="en-US" dirty="0"/>
                         <a:t>맵 형식</a:t>
@@ -8275,16 +9848,20 @@
                     <a:p>
                       <a:pPr latinLnBrk="1"/>
                       <a:r>
-                        <a:rPr lang="ko-KR" altLang="en-US" dirty="0"/>
+                        <a:rPr lang="ko-KR" altLang="en-US" sz="1600" dirty="0"/>
                         <a:t>랜덤하게 타일을 생성하는 </a:t>
                       </a:r>
                       <a:r>
-                        <a:rPr lang="en-US" altLang="ko-KR" dirty="0"/>
-                        <a:t>noise </a:t>
-                      </a:r>
-                      <a:r>
-                        <a:rPr lang="ko-KR" altLang="en-US" dirty="0"/>
-                        <a:t>알고리즘을 사용</a:t>
+                        <a:rPr lang="en-US" altLang="ko-KR" sz="1600" dirty="0" err="1"/>
+                        <a:t>TileGenrator</a:t>
+                      </a:r>
+                      <a:r>
+                        <a:rPr lang="en-US" altLang="ko-KR" sz="1600" dirty="0"/>
+                        <a:t> </a:t>
+                      </a:r>
+                      <a:r>
+                        <a:rPr lang="ko-KR" altLang="en-US" sz="1600" dirty="0"/>
+                        <a:t>사용</a:t>
                       </a:r>
                     </a:p>
                   </a:txBody>
@@ -8337,8 +9914,24 @@
                     <a:p>
                       <a:pPr latinLnBrk="1"/>
                       <a:r>
-                        <a:rPr lang="ko-KR" altLang="en-US" dirty="0"/>
+                        <a:rPr lang="ko-KR" altLang="en-US" sz="1600" dirty="0"/>
                         <a:t>장애물과 특별 아이템도 랜덤하게 나타나게 하기</a:t>
+                      </a:r>
+                      <a:endParaRPr lang="en-US" altLang="ko-KR" sz="1600" dirty="0"/>
+                    </a:p>
+                    <a:p>
+                      <a:pPr latinLnBrk="1"/>
+                      <a:r>
+                        <a:rPr lang="ko-KR" altLang="en-US" sz="1600" dirty="0"/>
+                        <a:t>시간의 흐름에 따라 </a:t>
+                      </a:r>
+                      <a:r>
+                        <a:rPr lang="en-US" altLang="ko-KR" sz="1600" dirty="0"/>
+                        <a:t>Tile </a:t>
+                      </a:r>
+                      <a:r>
+                        <a:rPr lang="ko-KR" altLang="en-US" sz="1600" dirty="0"/>
+                        <a:t>눈 지역으로 바뀔 수 있게 하기</a:t>
                       </a:r>
                     </a:p>
                   </a:txBody>
@@ -8396,7 +9989,7 @@
                     <a:bodyPr/>
                     <a:lstStyle/>
                     <a:p>
-                      <a:pPr latinLnBrk="1"/>
+                      <a:pPr algn="ctr" latinLnBrk="1"/>
                       <a:r>
                         <a:rPr lang="ko-KR" altLang="en-US" dirty="0"/>
                         <a:t>사운드 </a:t>
@@ -8462,23 +10055,23 @@
                     <a:p>
                       <a:pPr latinLnBrk="1"/>
                       <a:r>
-                        <a:rPr lang="ko-KR" altLang="en-US" dirty="0"/>
+                        <a:rPr lang="ko-KR" altLang="en-US" sz="1600" dirty="0"/>
                         <a:t>기본 이동</a:t>
                       </a:r>
                       <a:r>
-                        <a:rPr lang="en-US" altLang="ko-KR" dirty="0"/>
+                        <a:rPr lang="en-US" altLang="ko-KR" sz="1600" dirty="0"/>
                         <a:t>, </a:t>
                       </a:r>
                       <a:r>
-                        <a:rPr lang="ko-KR" altLang="en-US" dirty="0"/>
+                        <a:rPr lang="ko-KR" altLang="en-US" sz="1600" dirty="0"/>
                         <a:t>스킬 사용</a:t>
                       </a:r>
                       <a:r>
-                        <a:rPr lang="en-US" altLang="ko-KR" dirty="0"/>
+                        <a:rPr lang="en-US" altLang="ko-KR" sz="1600" dirty="0"/>
                         <a:t>, </a:t>
                       </a:r>
                       <a:r>
-                        <a:rPr lang="ko-KR" altLang="en-US" dirty="0"/>
+                        <a:rPr lang="ko-KR" altLang="en-US" sz="1600" dirty="0"/>
                         <a:t>몬스터 효과음 등</a:t>
                       </a:r>
                     </a:p>
@@ -8532,15 +10125,15 @@
                     <a:p>
                       <a:pPr latinLnBrk="1"/>
                       <a:r>
-                        <a:rPr lang="ko-KR" altLang="en-US" dirty="0"/>
+                        <a:rPr lang="ko-KR" altLang="en-US" sz="1600" dirty="0"/>
                         <a:t>특별한 이벤트 혹은 아이템을 </a:t>
                       </a:r>
                       <a:r>
-                        <a:rPr lang="ko-KR" altLang="en-US" dirty="0" err="1"/>
+                        <a:rPr lang="ko-KR" altLang="en-US" sz="1600" dirty="0" err="1"/>
                         <a:t>먹을시</a:t>
                       </a:r>
                       <a:r>
-                        <a:rPr lang="ko-KR" altLang="en-US" dirty="0"/>
+                        <a:rPr lang="ko-KR" altLang="en-US" sz="1600" dirty="0"/>
                         <a:t> 플레이어 이미지와 사운드 변경</a:t>
                       </a:r>
                     </a:p>
@@ -8597,6 +10190,45 @@
           </a:graphicData>
         </a:graphic>
       </p:graphicFrame>
+      <p:pic>
+        <p:nvPicPr>
+          <p:cNvPr id="9" name="오디오 8">
+            <a:hlinkClick r:id="" action="ppaction://media"/>
+            <a:extLst>
+              <a:ext uri="{FF2B5EF4-FFF2-40B4-BE49-F238E27FC236}">
+                <a16:creationId xmlns:a16="http://schemas.microsoft.com/office/drawing/2014/main" id="{4DEFEAE5-EF06-8FD3-43F6-7930DBC745AE}"/>
+              </a:ext>
+            </a:extLst>
+          </p:cNvPr>
+          <p:cNvPicPr>
+            <a:picLocks noChangeAspect="1"/>
+          </p:cNvPicPr>
+          <p:nvPr>
+            <a:audioFile r:link="rId2"/>
+            <p:extLst>
+              <p:ext uri="{DAA4B4D4-6D71-4841-9C94-3DE7FCFB9230}">
+                <p14:media xmlns:p14="http://schemas.microsoft.com/office/powerpoint/2010/main" r:embed="rId1"/>
+              </p:ext>
+            </p:extLst>
+          </p:nvPr>
+        </p:nvPicPr>
+        <p:blipFill>
+          <a:blip r:embed="rId4"/>
+          <a:srcRect l="-199396" t="-90625" r="-199396" b="-90625"/>
+          <a:stretch>
+            <a:fillRect/>
+          </a:stretch>
+        </p:blipFill>
+        <p:spPr>
+          <a:xfrm>
+            <a:off x="9147683" y="5143500"/>
+            <a:ext cx="3040633" cy="1714500"/>
+          </a:xfrm>
+          <a:prstGeom prst="rect">
+            <a:avLst/>
+          </a:prstGeom>
+        </p:spPr>
+      </p:pic>
     </p:spTree>
     <p:extLst>
       <p:ext uri="{BB962C8B-B14F-4D97-AF65-F5344CB8AC3E}">
@@ -8607,10 +10239,105 @@
   <p:clrMapOvr>
     <a:masterClrMapping/>
   </p:clrMapOvr>
+  <mc:AlternateContent xmlns:mc="http://schemas.openxmlformats.org/markup-compatibility/2006">
+    <mc:Choice xmlns:p14="http://schemas.microsoft.com/office/powerpoint/2010/main" Requires="p14">
+      <p:transition spd="slow" p14:dur="2000" advTm="14862"/>
+    </mc:Choice>
+    <mc:Fallback>
+      <p:transition spd="slow" advTm="14862"/>
+    </mc:Fallback>
+  </mc:AlternateContent>
+  <p:timing>
+    <p:tnLst>
+      <p:par>
+        <p:cTn id="1" dur="indefinite" restart="never" nodeType="tmRoot">
+          <p:childTnLst>
+            <p:seq concurrent="1" nextAc="seek">
+              <p:cTn id="2" dur="indefinite" nodeType="mainSeq">
+                <p:childTnLst>
+                  <p:par>
+                    <p:cTn id="3" fill="hold">
+                      <p:stCondLst>
+                        <p:cond delay="indefinite"/>
+                        <p:cond evt="onBegin" delay="0">
+                          <p:tn val="2"/>
+                        </p:cond>
+                      </p:stCondLst>
+                      <p:childTnLst>
+                        <p:par>
+                          <p:cTn id="4" fill="hold">
+                            <p:stCondLst>
+                              <p:cond delay="0"/>
+                            </p:stCondLst>
+                            <p:childTnLst>
+                              <p:par>
+                                <p:cTn id="5" presetID="1" presetClass="mediacall" presetSubtype="0" fill="hold" nodeType="afterEffect">
+                                  <p:stCondLst>
+                                    <p:cond delay="0"/>
+                                  </p:stCondLst>
+                                  <p:childTnLst>
+                                    <p:cmd type="call" cmd="playFrom(0.0)">
+                                      <p:cBhvr>
+                                        <p:cTn id="6" dur="1" fill="hold"/>
+                                        <p:tgtEl>
+                                          <p:spTgt spid="9"/>
+                                        </p:tgtEl>
+                                      </p:cBhvr>
+                                    </p:cmd>
+                                  </p:childTnLst>
+                                </p:cTn>
+                              </p:par>
+                            </p:childTnLst>
+                          </p:cTn>
+                        </p:par>
+                      </p:childTnLst>
+                    </p:cTn>
+                  </p:par>
+                </p:childTnLst>
+              </p:cTn>
+              <p:prevCondLst>
+                <p:cond evt="onPrev" delay="0">
+                  <p:tgtEl>
+                    <p:sldTgt/>
+                  </p:tgtEl>
+                </p:cond>
+              </p:prevCondLst>
+              <p:nextCondLst>
+                <p:cond evt="onNext" delay="0">
+                  <p:tgtEl>
+                    <p:sldTgt/>
+                  </p:tgtEl>
+                </p:cond>
+              </p:nextCondLst>
+            </p:seq>
+            <p:audio isNarration="1">
+              <p:cMediaNode vol="80000" showWhenStopped="0">
+                <p:cTn id="7" fill="hold" display="0">
+                  <p:stCondLst>
+                    <p:cond delay="indefinite"/>
+                  </p:stCondLst>
+                  <p:endCondLst>
+                    <p:cond evt="onStopAudio" delay="0">
+                      <p:tgtEl>
+                        <p:sldTgt/>
+                      </p:tgtEl>
+                    </p:cond>
+                  </p:endCondLst>
+                </p:cTn>
+                <p:tgtEl>
+                  <p:spTgt spid="9"/>
+                </p:tgtEl>
+              </p:cMediaNode>
+            </p:audio>
+          </p:childTnLst>
+        </p:cTn>
+      </p:par>
+    </p:tnLst>
+  </p:timing>
 </p:sld>
 </file>
 
-<file path=ppt/slides/slide5.xml><?xml version="1.0" encoding="utf-8"?>
+<file path=ppt/slides/slide7.xml><?xml version="1.0" encoding="utf-8"?>
 <p:sld xmlns:a="http://schemas.openxmlformats.org/drawingml/2006/main" xmlns:r="http://schemas.openxmlformats.org/officeDocument/2006/relationships" xmlns:p="http://schemas.openxmlformats.org/presentationml/2006/main">
   <p:cSld>
     <p:spTree>
@@ -8642,14 +10369,14 @@
           <p:nvPr>
             <p:extLst>
               <p:ext uri="{D42A27DB-BD31-4B8C-83A1-F6EECF244321}">
-                <p14:modId xmlns:p14="http://schemas.microsoft.com/office/powerpoint/2010/main" val="2237229508"/>
+                <p14:modId xmlns:p14="http://schemas.microsoft.com/office/powerpoint/2010/main" val="246602519"/>
               </p:ext>
             </p:extLst>
           </p:nvPr>
         </p:nvGraphicFramePr>
         <p:xfrm>
-          <a:off x="1115391" y="130810"/>
-          <a:ext cx="9961218" cy="6619451"/>
+          <a:off x="1115391" y="223089"/>
+          <a:ext cx="9961218" cy="6232841"/>
         </p:xfrm>
         <a:graphic>
           <a:graphicData uri="http://schemas.openxmlformats.org/drawingml/2006/table">
@@ -8773,14 +10500,14 @@
                         </a:lnSpc>
                       </a:pPr>
                       <a:r>
-                        <a:rPr lang="ko-KR" altLang="en-US" b="0" dirty="0">
+                        <a:rPr lang="ko-KR" altLang="en-US" sz="1600" b="0" dirty="0">
                           <a:solidFill>
                             <a:schemeClr val="tx1"/>
                           </a:solidFill>
                         </a:rPr>
                         <a:t>리소스 수집</a:t>
                       </a:r>
-                      <a:endParaRPr lang="en-US" altLang="ko-KR" b="0" dirty="0">
+                      <a:endParaRPr lang="en-US" altLang="ko-KR" sz="1600" b="0" dirty="0">
                         <a:solidFill>
                           <a:schemeClr val="tx1"/>
                         </a:solidFill>
@@ -8789,7 +10516,7 @@
                     <a:p>
                       <a:pPr algn="ctr" latinLnBrk="1"/>
                       <a:r>
-                        <a:rPr lang="ko-KR" altLang="en-US" b="0" dirty="0">
+                        <a:rPr lang="ko-KR" altLang="en-US" sz="1600" b="0" dirty="0">
                           <a:solidFill>
                             <a:schemeClr val="tx1"/>
                           </a:solidFill>
@@ -8858,7 +10585,7 @@
                     <a:p>
                       <a:pPr latinLnBrk="1"/>
                       <a:r>
-                        <a:rPr lang="en-US" altLang="ko-KR" b="0" dirty="0">
+                        <a:rPr lang="en-US" altLang="ko-KR" sz="1600" b="0" dirty="0">
                           <a:solidFill>
                             <a:schemeClr val="tx1"/>
                           </a:solidFill>
@@ -8866,14 +10593,14 @@
                         <a:t>1. </a:t>
                       </a:r>
                       <a:r>
-                        <a:rPr lang="ko-KR" altLang="en-US" b="0" dirty="0">
+                        <a:rPr lang="ko-KR" altLang="en-US" sz="1600" b="0" dirty="0">
                           <a:solidFill>
                             <a:schemeClr val="tx1"/>
                           </a:solidFill>
                         </a:rPr>
                         <a:t>각종 리소스 수집</a:t>
                       </a:r>
-                      <a:endParaRPr lang="en-US" altLang="ko-KR" b="0" dirty="0">
+                      <a:endParaRPr lang="en-US" altLang="ko-KR" sz="1600" b="0" dirty="0">
                         <a:solidFill>
                           <a:schemeClr val="tx1"/>
                         </a:solidFill>
@@ -8882,7 +10609,7 @@
                     <a:p>
                       <a:pPr latinLnBrk="1"/>
                       <a:r>
-                        <a:rPr lang="en-US" altLang="ko-KR" b="0" dirty="0">
+                        <a:rPr lang="en-US" altLang="ko-KR" sz="1600" b="0" dirty="0">
                           <a:solidFill>
                             <a:schemeClr val="tx1"/>
                           </a:solidFill>
@@ -8890,7 +10617,7 @@
                         <a:t>2. </a:t>
                       </a:r>
                       <a:r>
-                        <a:rPr lang="ko-KR" altLang="en-US" b="0" dirty="0">
+                        <a:rPr lang="ko-KR" altLang="en-US" sz="1600" b="0" dirty="0">
                           <a:solidFill>
                             <a:schemeClr val="tx1"/>
                           </a:solidFill>
@@ -8898,7 +10625,7 @@
                         <a:t>기본 뼈대를 잡기 위한 </a:t>
                       </a:r>
                       <a:r>
-                        <a:rPr lang="en-US" altLang="ko-KR" b="0" dirty="0">
+                        <a:rPr lang="en-US" altLang="ko-KR" sz="1600" b="0" dirty="0">
                           <a:solidFill>
                             <a:schemeClr val="tx1"/>
                           </a:solidFill>
@@ -8906,7 +10633,23 @@
                         <a:t>Object, </a:t>
                       </a:r>
                       <a:r>
-                        <a:rPr lang="en-US" altLang="ko-KR" b="0" dirty="0" err="1">
+                        <a:rPr lang="en-US" altLang="ko-KR" sz="1600" b="0" dirty="0" err="1">
+                          <a:solidFill>
+                            <a:schemeClr val="tx1"/>
+                          </a:solidFill>
+                        </a:rPr>
+                        <a:t>Transfrom</a:t>
+                      </a:r>
+                      <a:r>
+                        <a:rPr lang="en-US" altLang="ko-KR" sz="1600" b="0" dirty="0">
+                          <a:solidFill>
+                            <a:schemeClr val="tx1"/>
+                          </a:solidFill>
+                        </a:rPr>
+                        <a:t>, Collider, Mesh, </a:t>
+                      </a:r>
+                      <a:r>
+                        <a:rPr lang="en-US" altLang="ko-KR" sz="1600" b="0" dirty="0" err="1">
                           <a:solidFill>
                             <a:schemeClr val="tx1"/>
                           </a:solidFill>
@@ -8914,7 +10657,7 @@
                         <a:t>TileGenerator</a:t>
                       </a:r>
                       <a:r>
-                        <a:rPr lang="ko-KR" altLang="en-US" b="0" dirty="0">
+                        <a:rPr lang="ko-KR" altLang="en-US" sz="1600" b="0" dirty="0">
                           <a:solidFill>
                             <a:schemeClr val="tx1"/>
                           </a:solidFill>
@@ -8982,7 +10725,7 @@
                   </a:ext>
                 </a:extLst>
               </a:tr>
-              <a:tr h="613833">
+              <a:tr h="446594">
                 <a:tc>
                   <a:txBody>
                     <a:bodyPr/>
@@ -9291,14 +11034,14 @@
                     <a:p>
                       <a:pPr algn="ctr" latinLnBrk="1"/>
                       <a:r>
-                        <a:rPr lang="ko-KR" altLang="en-US" dirty="0">
+                        <a:rPr lang="ko-KR" altLang="en-US" sz="1600" dirty="0">
                           <a:solidFill>
                             <a:schemeClr val="tx1"/>
                           </a:solidFill>
                         </a:rPr>
                         <a:t>기본 이동</a:t>
                       </a:r>
-                      <a:endParaRPr lang="en-US" altLang="ko-KR" dirty="0">
+                      <a:endParaRPr lang="en-US" altLang="ko-KR" sz="1600" dirty="0">
                         <a:solidFill>
                           <a:schemeClr val="tx1"/>
                         </a:solidFill>
@@ -9307,7 +11050,7 @@
                     <a:p>
                       <a:pPr algn="ctr" latinLnBrk="1"/>
                       <a:r>
-                        <a:rPr lang="ko-KR" altLang="en-US" dirty="0">
+                        <a:rPr lang="ko-KR" altLang="en-US" sz="1600" dirty="0">
                           <a:solidFill>
                             <a:schemeClr val="tx1"/>
                           </a:solidFill>
@@ -9378,14 +11121,14 @@
                         <a:buAutoNum type="arabicPeriod"/>
                       </a:pPr>
                       <a:r>
-                        <a:rPr lang="ko-KR" altLang="en-US" dirty="0">
+                        <a:rPr lang="ko-KR" altLang="en-US" sz="1600" dirty="0">
                           <a:solidFill>
                             <a:schemeClr val="tx1"/>
                           </a:solidFill>
                         </a:rPr>
                         <a:t>플레이어 움직임 구현</a:t>
                       </a:r>
-                      <a:endParaRPr lang="en-US" altLang="ko-KR" dirty="0">
+                      <a:endParaRPr lang="en-US" altLang="ko-KR" sz="1600" dirty="0">
                         <a:solidFill>
                           <a:schemeClr val="tx1"/>
                         </a:solidFill>
@@ -9396,7 +11139,7 @@
                         <a:buAutoNum type="arabicPeriod"/>
                       </a:pPr>
                       <a:r>
-                        <a:rPr lang="en-US" altLang="ko-KR" dirty="0">
+                        <a:rPr lang="en-US" altLang="ko-KR" sz="1600" dirty="0">
                           <a:solidFill>
                             <a:schemeClr val="tx1"/>
                           </a:solidFill>
@@ -9404,7 +11147,7 @@
                         <a:t>Object</a:t>
                       </a:r>
                       <a:r>
-                        <a:rPr lang="ko-KR" altLang="en-US" dirty="0">
+                        <a:rPr lang="ko-KR" altLang="en-US" sz="1600" dirty="0">
                           <a:solidFill>
                             <a:schemeClr val="tx1"/>
                           </a:solidFill>
@@ -9565,7 +11308,7 @@
                         </a:lnSpc>
                       </a:pPr>
                       <a:r>
-                        <a:rPr lang="ko-KR" altLang="en-US" dirty="0">
+                        <a:rPr lang="ko-KR" altLang="en-US" sz="1600" dirty="0">
                           <a:solidFill>
                             <a:schemeClr val="tx1"/>
                           </a:solidFill>
@@ -9573,14 +11316,14 @@
                         <a:t>몬스터 </a:t>
                       </a:r>
                       <a:r>
-                        <a:rPr lang="en-US" altLang="ko-KR" dirty="0">
+                        <a:rPr lang="en-US" altLang="ko-KR" sz="1600" dirty="0">
                           <a:solidFill>
                             <a:schemeClr val="tx1"/>
                           </a:solidFill>
                         </a:rPr>
                         <a:t>AI</a:t>
                       </a:r>
-                      <a:endParaRPr lang="ko-KR" altLang="en-US" dirty="0">
+                      <a:endParaRPr lang="ko-KR" altLang="en-US" sz="1600" dirty="0">
                         <a:solidFill>
                           <a:schemeClr val="tx1"/>
                         </a:solidFill>
@@ -9647,7 +11390,7 @@
                     <a:p>
                       <a:pPr algn="l" latinLnBrk="1"/>
                       <a:r>
-                        <a:rPr lang="en-US" altLang="ko-KR" dirty="0">
+                        <a:rPr lang="en-US" altLang="ko-KR" sz="1600" dirty="0">
                           <a:solidFill>
                             <a:schemeClr val="tx1"/>
                           </a:solidFill>
@@ -9655,15 +11398,15 @@
                         <a:t>1. </a:t>
                       </a:r>
                       <a:r>
-                        <a:rPr lang="ko-KR" altLang="en-US" dirty="0">
+                        <a:rPr lang="ko-KR" altLang="en-US" sz="1600" dirty="0">
                           <a:solidFill>
                             <a:schemeClr val="tx1"/>
                           </a:solidFill>
                         </a:rPr>
-                        <a:t>몬스터가 장애물을 피해 </a:t>
-                      </a:r>
-                      <a:r>
-                        <a:rPr lang="en-US" altLang="ko-KR" dirty="0" err="1">
+                        <a:t>몬스터가 </a:t>
+                      </a:r>
+                      <a:r>
+                        <a:rPr lang="en-US" altLang="ko-KR" sz="1600" dirty="0" err="1">
                           <a:solidFill>
                             <a:schemeClr val="tx1"/>
                           </a:solidFill>
@@ -9671,7 +11414,7 @@
                         <a:t>Palyer</a:t>
                       </a:r>
                       <a:r>
-                        <a:rPr lang="ko-KR" altLang="en-US" dirty="0">
+                        <a:rPr lang="ko-KR" altLang="en-US" sz="1600" dirty="0">
                           <a:solidFill>
                             <a:schemeClr val="tx1"/>
                           </a:solidFill>
@@ -9832,7 +11575,7 @@
                         </a:lnSpc>
                       </a:pPr>
                       <a:r>
-                        <a:rPr lang="ko-KR" altLang="en-US" dirty="0">
+                        <a:rPr lang="ko-KR" altLang="en-US" sz="1600" dirty="0">
                           <a:solidFill>
                             <a:schemeClr val="tx1"/>
                           </a:solidFill>
@@ -9903,7 +11646,7 @@
                         <a:buAutoNum type="arabicPeriod"/>
                       </a:pPr>
                       <a:r>
-                        <a:rPr lang="en-US" altLang="ko-KR" dirty="0">
+                        <a:rPr lang="en-US" altLang="ko-KR" sz="1600" dirty="0">
                           <a:solidFill>
                             <a:schemeClr val="tx1"/>
                           </a:solidFill>
@@ -9911,7 +11654,7 @@
                         <a:t>1~4</a:t>
                       </a:r>
                       <a:r>
-                        <a:rPr lang="ko-KR" altLang="en-US" dirty="0" err="1">
+                        <a:rPr lang="ko-KR" altLang="en-US" sz="1600" dirty="0" err="1">
                           <a:solidFill>
                             <a:schemeClr val="tx1"/>
                           </a:solidFill>
@@ -9919,14 +11662,14 @@
                         <a:t>주동안</a:t>
                       </a:r>
                       <a:r>
-                        <a:rPr lang="ko-KR" altLang="en-US" dirty="0">
+                        <a:rPr lang="ko-KR" altLang="en-US" sz="1600" dirty="0">
                           <a:solidFill>
                             <a:schemeClr val="tx1"/>
                           </a:solidFill>
                         </a:rPr>
                         <a:t> 부족한 점 보완</a:t>
                       </a:r>
-                      <a:endParaRPr lang="en-US" altLang="ko-KR" dirty="0">
+                      <a:endParaRPr lang="en-US" altLang="ko-KR" sz="1600" dirty="0">
                         <a:solidFill>
                           <a:schemeClr val="tx1"/>
                         </a:solidFill>
@@ -9937,7 +11680,7 @@
                         <a:buAutoNum type="arabicPeriod"/>
                       </a:pPr>
                       <a:r>
-                        <a:rPr lang="ko-KR" altLang="en-US" dirty="0">
+                        <a:rPr lang="ko-KR" altLang="en-US" sz="1600" dirty="0">
                           <a:solidFill>
                             <a:schemeClr val="tx1"/>
                           </a:solidFill>
@@ -9945,7 +11688,7 @@
                         <a:t>기본 </a:t>
                       </a:r>
                       <a:r>
-                        <a:rPr lang="en-US" altLang="ko-KR" dirty="0">
+                        <a:rPr lang="en-US" altLang="ko-KR" sz="1600" dirty="0">
                           <a:solidFill>
                             <a:schemeClr val="tx1"/>
                           </a:solidFill>
@@ -9953,7 +11696,7 @@
                         <a:t>UI </a:t>
                       </a:r>
                       <a:r>
-                        <a:rPr lang="ko-KR" altLang="en-US" dirty="0">
+                        <a:rPr lang="ko-KR" altLang="en-US" sz="1600" dirty="0">
                           <a:solidFill>
                             <a:schemeClr val="tx1"/>
                           </a:solidFill>
@@ -10113,7 +11856,7 @@
                         </a:lnSpc>
                       </a:pPr>
                       <a:r>
-                        <a:rPr lang="ko-KR" altLang="en-US" dirty="0">
+                        <a:rPr lang="ko-KR" altLang="en-US" sz="1600" dirty="0">
                           <a:solidFill>
                             <a:schemeClr val="tx1"/>
                           </a:solidFill>
@@ -10183,7 +11926,7 @@
                         <a:buAutoNum type="arabicPeriod"/>
                       </a:pPr>
                       <a:r>
-                        <a:rPr lang="ko-KR" altLang="en-US" dirty="0">
+                        <a:rPr lang="ko-KR" altLang="en-US" sz="1600" dirty="0">
                           <a:solidFill>
                             <a:schemeClr val="tx1"/>
                           </a:solidFill>
@@ -10191,7 +11934,7 @@
                         <a:t>유저가 사용할 </a:t>
                       </a:r>
                       <a:r>
-                        <a:rPr lang="en-US" altLang="ko-KR" dirty="0">
+                        <a:rPr lang="en-US" altLang="ko-KR" sz="1600" dirty="0">
                           <a:solidFill>
                             <a:schemeClr val="tx1"/>
                           </a:solidFill>
@@ -10199,14 +11942,14 @@
                         <a:t>Skill</a:t>
                       </a:r>
                       <a:r>
-                        <a:rPr lang="ko-KR" altLang="en-US" dirty="0">
+                        <a:rPr lang="ko-KR" altLang="en-US" sz="1600" dirty="0">
                           <a:solidFill>
                             <a:schemeClr val="tx1"/>
                           </a:solidFill>
                         </a:rPr>
                         <a:t>을 구현</a:t>
                       </a:r>
-                      <a:endParaRPr lang="en-US" altLang="ko-KR" dirty="0">
+                      <a:endParaRPr lang="en-US" altLang="ko-KR" sz="1600" dirty="0">
                         <a:solidFill>
                           <a:schemeClr val="tx1"/>
                         </a:solidFill>
@@ -10217,7 +11960,7 @@
                         <a:buAutoNum type="arabicPeriod"/>
                       </a:pPr>
                       <a:r>
-                        <a:rPr lang="ko-KR" altLang="en-US" dirty="0">
+                        <a:rPr lang="ko-KR" altLang="en-US" sz="1600" dirty="0">
                           <a:solidFill>
                             <a:schemeClr val="tx1"/>
                           </a:solidFill>
@@ -10376,7 +12119,7 @@
                         </a:lnSpc>
                       </a:pPr>
                       <a:r>
-                        <a:rPr lang="ko-KR" altLang="en-US" dirty="0">
+                        <a:rPr lang="ko-KR" altLang="en-US" sz="1600" dirty="0">
                           <a:solidFill>
                             <a:schemeClr val="tx1"/>
                           </a:solidFill>
@@ -10444,7 +12187,7 @@
                     <a:p>
                       <a:pPr algn="l" latinLnBrk="1"/>
                       <a:r>
-                        <a:rPr lang="en-US" altLang="ko-KR" dirty="0">
+                        <a:rPr lang="en-US" altLang="ko-KR" sz="1600" dirty="0">
                           <a:solidFill>
                             <a:schemeClr val="tx1"/>
                           </a:solidFill>
@@ -10452,31 +12195,15 @@
                         <a:t>1. </a:t>
                       </a:r>
                       <a:r>
-                        <a:rPr lang="ko-KR" altLang="en-US" dirty="0">
+                        <a:rPr lang="ko-KR" altLang="en-US" sz="1600" dirty="0">
                           <a:solidFill>
                             <a:schemeClr val="tx1"/>
                           </a:solidFill>
                         </a:rPr>
-                        <a:t>몬스터의 </a:t>
-                      </a:r>
-                      <a:r>
-                        <a:rPr lang="ko-KR" altLang="en-US" dirty="0" err="1">
-                          <a:solidFill>
-                            <a:schemeClr val="tx1"/>
-                          </a:solidFill>
-                        </a:rPr>
-                        <a:t>생여</a:t>
-                      </a:r>
-                      <a:r>
-                        <a:rPr lang="ko-KR" altLang="en-US" dirty="0">
-                          <a:solidFill>
-                            <a:schemeClr val="tx1"/>
-                          </a:solidFill>
-                        </a:rPr>
-                        <a:t> 주기가 끝나면 죽으면서 동시에 </a:t>
-                      </a:r>
-                      <a:r>
-                        <a:rPr lang="en-US" altLang="ko-KR" dirty="0">
+                        <a:t>몬스터의 생명 주기가 끝나면 죽으면서 동시에 </a:t>
+                      </a:r>
+                      <a:r>
+                        <a:rPr lang="en-US" altLang="ko-KR" sz="1600" dirty="0">
                           <a:solidFill>
                             <a:schemeClr val="tx1"/>
                           </a:solidFill>
@@ -10484,7 +12211,7 @@
                         <a:t>Item </a:t>
                       </a:r>
                       <a:r>
-                        <a:rPr lang="ko-KR" altLang="en-US" dirty="0">
+                        <a:rPr lang="ko-KR" altLang="en-US" sz="1600" dirty="0">
                           <a:solidFill>
                             <a:schemeClr val="tx1"/>
                           </a:solidFill>
@@ -10643,7 +12370,7 @@
                         </a:lnSpc>
                       </a:pPr>
                       <a:r>
-                        <a:rPr lang="ko-KR" altLang="en-US" dirty="0">
+                        <a:rPr lang="ko-KR" altLang="en-US" sz="1600" dirty="0">
                           <a:solidFill>
                             <a:schemeClr val="tx1"/>
                           </a:solidFill>
@@ -10713,7 +12440,7 @@
                         <a:buAutoNum type="arabicPeriod"/>
                       </a:pPr>
                       <a:r>
-                        <a:rPr lang="ko-KR" altLang="en-US" dirty="0">
+                        <a:rPr lang="ko-KR" altLang="en-US" sz="1600" dirty="0">
                           <a:solidFill>
                             <a:schemeClr val="tx1"/>
                           </a:solidFill>
@@ -10721,7 +12448,7 @@
                         <a:t>떨어진 </a:t>
                       </a:r>
                       <a:r>
-                        <a:rPr lang="en-US" altLang="ko-KR" dirty="0">
+                        <a:rPr lang="en-US" altLang="ko-KR" sz="1600" dirty="0">
                           <a:solidFill>
                             <a:schemeClr val="tx1"/>
                           </a:solidFill>
@@ -10729,14 +12456,14 @@
                         <a:t>Item</a:t>
                       </a:r>
                       <a:r>
-                        <a:rPr lang="ko-KR" altLang="en-US" dirty="0">
+                        <a:rPr lang="ko-KR" altLang="en-US" sz="1600" dirty="0">
                           <a:solidFill>
                             <a:schemeClr val="tx1"/>
                           </a:solidFill>
                         </a:rPr>
                         <a:t>을 습득하는 것을 구현</a:t>
                       </a:r>
-                      <a:endParaRPr lang="en-US" altLang="ko-KR" dirty="0">
+                      <a:endParaRPr lang="en-US" altLang="ko-KR" sz="1600" dirty="0">
                         <a:solidFill>
                           <a:schemeClr val="tx1"/>
                         </a:solidFill>
@@ -10747,7 +12474,7 @@
                         <a:buNone/>
                       </a:pPr>
                       <a:r>
-                        <a:rPr lang="en-US" altLang="ko-KR" dirty="0">
+                        <a:rPr lang="en-US" altLang="ko-KR" sz="1600" dirty="0">
                           <a:solidFill>
                             <a:schemeClr val="tx1"/>
                           </a:solidFill>
@@ -10755,7 +12482,7 @@
                         <a:t>2. </a:t>
                       </a:r>
                       <a:r>
-                        <a:rPr lang="ko-KR" altLang="en-US" dirty="0">
+                        <a:rPr lang="ko-KR" altLang="en-US" sz="1600" dirty="0">
                           <a:solidFill>
                             <a:schemeClr val="tx1"/>
                           </a:solidFill>
@@ -10763,7 +12490,7 @@
                         <a:t>아군 시스템</a:t>
                       </a:r>
                       <a:r>
-                        <a:rPr lang="en-US" altLang="ko-KR" dirty="0">
+                        <a:rPr lang="en-US" altLang="ko-KR" sz="1600" dirty="0">
                           <a:solidFill>
                             <a:schemeClr val="tx1"/>
                           </a:solidFill>
@@ -10771,15 +12498,31 @@
                         <a:t>(</a:t>
                       </a:r>
                       <a:r>
-                        <a:rPr lang="ko-KR" altLang="en-US" dirty="0">
+                        <a:rPr lang="ko-KR" altLang="en-US" sz="1600" dirty="0">
                           <a:solidFill>
                             <a:schemeClr val="tx1"/>
                           </a:solidFill>
                         </a:rPr>
-                        <a:t>스킬 이동 등</a:t>
-                      </a:r>
-                      <a:r>
-                        <a:rPr lang="en-US" altLang="ko-KR" dirty="0">
+                        <a:t>스킬</a:t>
+                      </a:r>
+                      <a:r>
+                        <a:rPr lang="en-US" altLang="ko-KR" sz="1600" dirty="0">
+                          <a:solidFill>
+                            <a:schemeClr val="tx1"/>
+                          </a:solidFill>
+                        </a:rPr>
+                        <a:t>, </a:t>
+                      </a:r>
+                      <a:r>
+                        <a:rPr lang="ko-KR" altLang="en-US" sz="1600" dirty="0">
+                          <a:solidFill>
+                            <a:schemeClr val="tx1"/>
+                          </a:solidFill>
+                        </a:rPr>
+                        <a:t>이동 등</a:t>
+                      </a:r>
+                      <a:r>
+                        <a:rPr lang="en-US" altLang="ko-KR" sz="1600" dirty="0">
                           <a:solidFill>
                             <a:schemeClr val="tx1"/>
                           </a:solidFill>
@@ -10787,7 +12530,7 @@
                         <a:t>) </a:t>
                       </a:r>
                       <a:r>
-                        <a:rPr lang="ko-KR" altLang="en-US" dirty="0">
+                        <a:rPr lang="ko-KR" altLang="en-US" sz="1600" dirty="0">
                           <a:solidFill>
                             <a:schemeClr val="tx1"/>
                           </a:solidFill>
@@ -10795,14 +12538,14 @@
                         <a:t>부족한 점을 보완</a:t>
                       </a:r>
                       <a:r>
-                        <a:rPr lang="en-US" altLang="ko-KR" dirty="0">
+                        <a:rPr lang="en-US" altLang="ko-KR" sz="1600" dirty="0">
                           <a:solidFill>
                             <a:schemeClr val="tx1"/>
                           </a:solidFill>
                         </a:rPr>
                         <a:t> </a:t>
                       </a:r>
-                      <a:endParaRPr lang="ko-KR" altLang="en-US" dirty="0">
+                      <a:endParaRPr lang="ko-KR" altLang="en-US" sz="1600" dirty="0">
                         <a:solidFill>
                           <a:schemeClr val="tx1"/>
                         </a:solidFill>
@@ -10959,7 +12702,7 @@
                         </a:lnSpc>
                       </a:pPr>
                       <a:r>
-                        <a:rPr lang="ko-KR" altLang="en-US" dirty="0">
+                        <a:rPr lang="ko-KR" altLang="en-US" sz="1600" dirty="0">
                           <a:solidFill>
                             <a:schemeClr val="tx1"/>
                           </a:solidFill>
@@ -11029,14 +12772,14 @@
                         <a:buAutoNum type="arabicPeriod"/>
                       </a:pPr>
                       <a:r>
-                        <a:rPr lang="ko-KR" altLang="en-US" dirty="0">
+                        <a:rPr lang="ko-KR" altLang="en-US" sz="1600" dirty="0">
                           <a:solidFill>
                             <a:schemeClr val="tx1"/>
                           </a:solidFill>
                         </a:rPr>
                         <a:t>특정 시간이 지나면 난이도가 상승</a:t>
                       </a:r>
-                      <a:endParaRPr lang="en-US" altLang="ko-KR" dirty="0">
+                      <a:endParaRPr lang="en-US" altLang="ko-KR" sz="1600" dirty="0">
                         <a:solidFill>
                           <a:schemeClr val="tx1"/>
                         </a:solidFill>
@@ -11047,14 +12790,14 @@
                         <a:buAutoNum type="arabicPeriod"/>
                       </a:pPr>
                       <a:r>
-                        <a:rPr lang="ko-KR" altLang="en-US" dirty="0">
+                        <a:rPr lang="ko-KR" altLang="en-US" sz="1600" dirty="0">
                           <a:solidFill>
                             <a:schemeClr val="tx1"/>
                           </a:solidFill>
                         </a:rPr>
                         <a:t>특정 시간이 지나면 새로운 스킬 습득</a:t>
                       </a:r>
-                      <a:endParaRPr lang="en-US" altLang="ko-KR" dirty="0">
+                      <a:endParaRPr lang="en-US" altLang="ko-KR" sz="1600" dirty="0">
                         <a:solidFill>
                           <a:schemeClr val="tx1"/>
                         </a:solidFill>
@@ -11065,7 +12808,7 @@
                         <a:buAutoNum type="arabicPeriod"/>
                       </a:pPr>
                       <a:r>
-                        <a:rPr lang="en-US" altLang="ko-KR" dirty="0">
+                        <a:rPr lang="en-US" altLang="ko-KR" sz="1600" dirty="0">
                           <a:solidFill>
                             <a:schemeClr val="tx1"/>
                           </a:solidFill>
@@ -11073,7 +12816,7 @@
                         <a:t>10</a:t>
                       </a:r>
                       <a:r>
-                        <a:rPr lang="ko-KR" altLang="en-US" dirty="0">
+                        <a:rPr lang="ko-KR" altLang="en-US" sz="1600" dirty="0">
                           <a:solidFill>
                             <a:schemeClr val="tx1"/>
                           </a:solidFill>
@@ -11232,7 +12975,7 @@
                         </a:lnSpc>
                       </a:pPr>
                       <a:r>
-                        <a:rPr lang="ko-KR" altLang="en-US" dirty="0">
+                        <a:rPr lang="ko-KR" altLang="en-US" sz="1600" dirty="0">
                           <a:solidFill>
                             <a:schemeClr val="accent4"/>
                           </a:solidFill>
@@ -11300,7 +13043,7 @@
                     <a:p>
                       <a:pPr algn="l" latinLnBrk="1"/>
                       <a:r>
-                        <a:rPr lang="ko-KR" altLang="en-US" b="1" dirty="0">
+                        <a:rPr lang="ko-KR" altLang="en-US" sz="1600" b="1" dirty="0">
                           <a:solidFill>
                             <a:schemeClr val="accent4"/>
                           </a:solidFill>
@@ -11371,6 +13114,45 @@
           </a:graphicData>
         </a:graphic>
       </p:graphicFrame>
+      <p:pic>
+        <p:nvPicPr>
+          <p:cNvPr id="10" name="오디오 9">
+            <a:hlinkClick r:id="" action="ppaction://media"/>
+            <a:extLst>
+              <a:ext uri="{FF2B5EF4-FFF2-40B4-BE49-F238E27FC236}">
+                <a16:creationId xmlns:a16="http://schemas.microsoft.com/office/drawing/2014/main" id="{9AA04B38-40C0-764F-6BD5-906DBF1416C8}"/>
+              </a:ext>
+            </a:extLst>
+          </p:cNvPr>
+          <p:cNvPicPr>
+            <a:picLocks noChangeAspect="1"/>
+          </p:cNvPicPr>
+          <p:nvPr>
+            <a:audioFile r:link="rId2"/>
+            <p:extLst>
+              <p:ext uri="{DAA4B4D4-6D71-4841-9C94-3DE7FCFB9230}">
+                <p14:media xmlns:p14="http://schemas.microsoft.com/office/powerpoint/2010/main" r:embed="rId1"/>
+              </p:ext>
+            </p:extLst>
+          </p:nvPr>
+        </p:nvPicPr>
+        <p:blipFill>
+          <a:blip r:embed="rId4"/>
+          <a:srcRect l="-199396" t="-90625" r="-199396" b="-90625"/>
+          <a:stretch>
+            <a:fillRect/>
+          </a:stretch>
+        </p:blipFill>
+        <p:spPr>
+          <a:xfrm>
+            <a:off x="9147683" y="5143500"/>
+            <a:ext cx="3040633" cy="1714500"/>
+          </a:xfrm>
+          <a:prstGeom prst="rect">
+            <a:avLst/>
+          </a:prstGeom>
+        </p:spPr>
+      </p:pic>
     </p:spTree>
     <p:extLst>
       <p:ext uri="{BB962C8B-B14F-4D97-AF65-F5344CB8AC3E}">
@@ -11381,6 +13163,101 @@
   <p:clrMapOvr>
     <a:masterClrMapping/>
   </p:clrMapOvr>
+  <mc:AlternateContent xmlns:mc="http://schemas.openxmlformats.org/markup-compatibility/2006">
+    <mc:Choice xmlns:p14="http://schemas.microsoft.com/office/powerpoint/2010/main" Requires="p14">
+      <p:transition spd="slow" p14:dur="2000" advTm="42306"/>
+    </mc:Choice>
+    <mc:Fallback>
+      <p:transition spd="slow" advTm="42306"/>
+    </mc:Fallback>
+  </mc:AlternateContent>
+  <p:timing>
+    <p:tnLst>
+      <p:par>
+        <p:cTn id="1" dur="indefinite" restart="never" nodeType="tmRoot">
+          <p:childTnLst>
+            <p:seq concurrent="1" nextAc="seek">
+              <p:cTn id="2" dur="indefinite" nodeType="mainSeq">
+                <p:childTnLst>
+                  <p:par>
+                    <p:cTn id="3" fill="hold">
+                      <p:stCondLst>
+                        <p:cond delay="indefinite"/>
+                        <p:cond evt="onBegin" delay="0">
+                          <p:tn val="2"/>
+                        </p:cond>
+                      </p:stCondLst>
+                      <p:childTnLst>
+                        <p:par>
+                          <p:cTn id="4" fill="hold">
+                            <p:stCondLst>
+                              <p:cond delay="0"/>
+                            </p:stCondLst>
+                            <p:childTnLst>
+                              <p:par>
+                                <p:cTn id="5" presetID="1" presetClass="mediacall" presetSubtype="0" fill="hold" nodeType="afterEffect">
+                                  <p:stCondLst>
+                                    <p:cond delay="0"/>
+                                  </p:stCondLst>
+                                  <p:childTnLst>
+                                    <p:cmd type="call" cmd="playFrom(0.0)">
+                                      <p:cBhvr>
+                                        <p:cTn id="6" dur="1" fill="hold"/>
+                                        <p:tgtEl>
+                                          <p:spTgt spid="10"/>
+                                        </p:tgtEl>
+                                      </p:cBhvr>
+                                    </p:cmd>
+                                  </p:childTnLst>
+                                </p:cTn>
+                              </p:par>
+                            </p:childTnLst>
+                          </p:cTn>
+                        </p:par>
+                      </p:childTnLst>
+                    </p:cTn>
+                  </p:par>
+                </p:childTnLst>
+              </p:cTn>
+              <p:prevCondLst>
+                <p:cond evt="onPrev" delay="0">
+                  <p:tgtEl>
+                    <p:sldTgt/>
+                  </p:tgtEl>
+                </p:cond>
+              </p:prevCondLst>
+              <p:nextCondLst>
+                <p:cond evt="onNext" delay="0">
+                  <p:tgtEl>
+                    <p:sldTgt/>
+                  </p:tgtEl>
+                </p:cond>
+              </p:nextCondLst>
+            </p:seq>
+            <p:audio isNarration="1">
+              <p:cMediaNode vol="80000" showWhenStopped="0">
+                <p:cTn id="7" fill="hold" display="0">
+                  <p:stCondLst>
+                    <p:cond delay="indefinite"/>
+                  </p:stCondLst>
+                  <p:endCondLst>
+                    <p:cond evt="onStopAudio" delay="0">
+                      <p:tgtEl>
+                        <p:sldTgt/>
+                      </p:tgtEl>
+                    </p:cond>
+                  </p:endCondLst>
+                </p:cTn>
+                <p:tgtEl>
+                  <p:spTgt spid="10"/>
+                </p:tgtEl>
+              </p:cMediaNode>
+            </p:audio>
+          </p:childTnLst>
+        </p:cTn>
+      </p:par>
+    </p:tnLst>
+  </p:timing>
 </p:sld>
 </file>
 
@@ -11677,4 +13554,299 @@
     </a:ext>
   </a:extLst>
 </a:theme>
+</file>
+
+<file path=ppt/theme/theme2.xml><?xml version="1.0" encoding="utf-8"?>
+<a:theme xmlns:a="http://schemas.openxmlformats.org/drawingml/2006/main" name="Office 테마">
+  <a:themeElements>
+    <a:clrScheme name="Office">
+      <a:dk1>
+        <a:sysClr val="windowText" lastClr="000000"/>
+      </a:dk1>
+      <a:lt1>
+        <a:sysClr val="window" lastClr="FFFFFF"/>
+      </a:lt1>
+      <a:dk2>
+        <a:srgbClr val="44546A"/>
+      </a:dk2>
+      <a:lt2>
+        <a:srgbClr val="E7E6E6"/>
+      </a:lt2>
+      <a:accent1>
+        <a:srgbClr val="4472C4"/>
+      </a:accent1>
+      <a:accent2>
+        <a:srgbClr val="ED7D31"/>
+      </a:accent2>
+      <a:accent3>
+        <a:srgbClr val="A5A5A5"/>
+      </a:accent3>
+      <a:accent4>
+        <a:srgbClr val="FFC000"/>
+      </a:accent4>
+      <a:accent5>
+        <a:srgbClr val="5B9BD5"/>
+      </a:accent5>
+      <a:accent6>
+        <a:srgbClr val="70AD47"/>
+      </a:accent6>
+      <a:hlink>
+        <a:srgbClr val="0563C1"/>
+      </a:hlink>
+      <a:folHlink>
+        <a:srgbClr val="954F72"/>
+      </a:folHlink>
+    </a:clrScheme>
+    <a:fontScheme name="Office">
+      <a:majorFont>
+        <a:latin typeface="맑은 고딕" panose="020F0302020204030204"/>
+        <a:ea typeface=""/>
+        <a:cs typeface=""/>
+        <a:font script="Jpan" typeface="游ゴシック Light"/>
+        <a:font script="Hang" typeface="맑은 고딕"/>
+        <a:font script="Hans" typeface="等线 Light"/>
+        <a:font script="Hant" typeface="新細明體"/>
+        <a:font script="Arab" typeface="Times New Roman"/>
+        <a:font script="Hebr" typeface="Times New Roman"/>
+        <a:font script="Thai" typeface="Angsana New"/>
+        <a:font script="Ethi" typeface="Nyala"/>
+        <a:font script="Beng" typeface="Vrinda"/>
+        <a:font script="Gujr" typeface="Shruti"/>
+        <a:font script="Khmr" typeface="MoolBoran"/>
+        <a:font script="Knda" typeface="Tunga"/>
+        <a:font script="Guru" typeface="Raavi"/>
+        <a:font script="Cans" typeface="Euphemia"/>
+        <a:font script="Cher" typeface="Plantagenet Cherokee"/>
+        <a:font script="Yiii" typeface="Microsoft Yi Baiti"/>
+        <a:font script="Tibt" typeface="Microsoft Himalaya"/>
+        <a:font script="Thaa" typeface="MV Boli"/>
+        <a:font script="Deva" typeface="Mangal"/>
+        <a:font script="Telu" typeface="Gautami"/>
+        <a:font script="Taml" typeface="Latha"/>
+        <a:font script="Syrc" typeface="Estrangelo Edessa"/>
+        <a:font script="Orya" typeface="Kalinga"/>
+        <a:font script="Mlym" typeface="Kartika"/>
+        <a:font script="Laoo" typeface="DokChampa"/>
+        <a:font script="Sinh" typeface="Iskoola Pota"/>
+        <a:font script="Mong" typeface="Mongolian Baiti"/>
+        <a:font script="Viet" typeface="Times New Roman"/>
+        <a:font script="Uigh" typeface="Microsoft Uighur"/>
+        <a:font script="Geor" typeface="Sylfaen"/>
+        <a:font script="Armn" typeface="Arial"/>
+        <a:font script="Bugi" typeface="Leelawadee UI"/>
+        <a:font script="Bopo" typeface="Microsoft JhengHei"/>
+        <a:font script="Java" typeface="Javanese Text"/>
+        <a:font script="Lisu" typeface="Segoe UI"/>
+        <a:font script="Mymr" typeface="Myanmar Text"/>
+        <a:font script="Nkoo" typeface="Ebrima"/>
+        <a:font script="Olck" typeface="Nirmala UI"/>
+        <a:font script="Osma" typeface="Ebrima"/>
+        <a:font script="Phag" typeface="Phagspa"/>
+        <a:font script="Syrn" typeface="Estrangelo Edessa"/>
+        <a:font script="Syrj" typeface="Estrangelo Edessa"/>
+        <a:font script="Syre" typeface="Estrangelo Edessa"/>
+        <a:font script="Sora" typeface="Nirmala UI"/>
+        <a:font script="Tale" typeface="Microsoft Tai Le"/>
+        <a:font script="Talu" typeface="Microsoft New Tai Lue"/>
+        <a:font script="Tfng" typeface="Ebrima"/>
+      </a:majorFont>
+      <a:minorFont>
+        <a:latin typeface="맑은 고딕" panose="020F0502020204030204"/>
+        <a:ea typeface=""/>
+        <a:cs typeface=""/>
+        <a:font script="Jpan" typeface="游ゴシック"/>
+        <a:font script="Hang" typeface="맑은 고딕"/>
+        <a:font script="Hans" typeface="等线"/>
+        <a:font script="Hant" typeface="新細明體"/>
+        <a:font script="Arab" typeface="Arial"/>
+        <a:font script="Hebr" typeface="Arial"/>
+        <a:font script="Thai" typeface="Cordia New"/>
+        <a:font script="Ethi" typeface="Nyala"/>
+        <a:font script="Beng" typeface="Vrinda"/>
+        <a:font script="Gujr" typeface="Shruti"/>
+        <a:font script="Khmr" typeface="DaunPenh"/>
+        <a:font script="Knda" typeface="Tunga"/>
+        <a:font script="Guru" typeface="Raavi"/>
+        <a:font script="Cans" typeface="Euphemia"/>
+        <a:font script="Cher" typeface="Plantagenet Cherokee"/>
+        <a:font script="Yiii" typeface="Microsoft Yi Baiti"/>
+        <a:font script="Tibt" typeface="Microsoft Himalaya"/>
+        <a:font script="Thaa" typeface="MV Boli"/>
+        <a:font script="Deva" typeface="Mangal"/>
+        <a:font script="Telu" typeface="Gautami"/>
+        <a:font script="Taml" typeface="Latha"/>
+        <a:font script="Syrc" typeface="Estrangelo Edessa"/>
+        <a:font script="Orya" typeface="Kalinga"/>
+        <a:font script="Mlym" typeface="Kartika"/>
+        <a:font script="Laoo" typeface="DokChampa"/>
+        <a:font script="Sinh" typeface="Iskoola Pota"/>
+        <a:font script="Mong" typeface="Mongolian Baiti"/>
+        <a:font script="Viet" typeface="Arial"/>
+        <a:font script="Uigh" typeface="Microsoft Uighur"/>
+        <a:font script="Geor" typeface="Sylfaen"/>
+        <a:font script="Armn" typeface="Arial"/>
+        <a:font script="Bugi" typeface="Leelawadee UI"/>
+        <a:font script="Bopo" typeface="Microsoft JhengHei"/>
+        <a:font script="Java" typeface="Javanese Text"/>
+        <a:font script="Lisu" typeface="Segoe UI"/>
+        <a:font script="Mymr" typeface="Myanmar Text"/>
+        <a:font script="Nkoo" typeface="Ebrima"/>
+        <a:font script="Olck" typeface="Nirmala UI"/>
+        <a:font script="Osma" typeface="Ebrima"/>
+        <a:font script="Phag" typeface="Phagspa"/>
+        <a:font script="Syrn" typeface="Estrangelo Edessa"/>
+        <a:font script="Syrj" typeface="Estrangelo Edessa"/>
+        <a:font script="Syre" typeface="Estrangelo Edessa"/>
+        <a:font script="Sora" typeface="Nirmala UI"/>
+        <a:font script="Tale" typeface="Microsoft Tai Le"/>
+        <a:font script="Talu" typeface="Microsoft New Tai Lue"/>
+        <a:font script="Tfng" typeface="Ebrima"/>
+      </a:minorFont>
+    </a:fontScheme>
+    <a:fmtScheme name="Office">
+      <a:fillStyleLst>
+        <a:solidFill>
+          <a:schemeClr val="phClr"/>
+        </a:solidFill>
+        <a:gradFill rotWithShape="1">
+          <a:gsLst>
+            <a:gs pos="0">
+              <a:schemeClr val="phClr">
+                <a:lumMod val="110000"/>
+                <a:satMod val="105000"/>
+                <a:tint val="67000"/>
+              </a:schemeClr>
+            </a:gs>
+            <a:gs pos="50000">
+              <a:schemeClr val="phClr">
+                <a:lumMod val="105000"/>
+                <a:satMod val="103000"/>
+                <a:tint val="73000"/>
+              </a:schemeClr>
+            </a:gs>
+            <a:gs pos="100000">
+              <a:schemeClr val="phClr">
+                <a:lumMod val="105000"/>
+                <a:satMod val="109000"/>
+                <a:tint val="81000"/>
+              </a:schemeClr>
+            </a:gs>
+          </a:gsLst>
+          <a:lin ang="5400000" scaled="0"/>
+        </a:gradFill>
+        <a:gradFill rotWithShape="1">
+          <a:gsLst>
+            <a:gs pos="0">
+              <a:schemeClr val="phClr">
+                <a:satMod val="103000"/>
+                <a:lumMod val="102000"/>
+                <a:tint val="94000"/>
+              </a:schemeClr>
+            </a:gs>
+            <a:gs pos="50000">
+              <a:schemeClr val="phClr">
+                <a:satMod val="110000"/>
+                <a:lumMod val="100000"/>
+                <a:shade val="100000"/>
+              </a:schemeClr>
+            </a:gs>
+            <a:gs pos="100000">
+              <a:schemeClr val="phClr">
+                <a:lumMod val="99000"/>
+                <a:satMod val="120000"/>
+                <a:shade val="78000"/>
+              </a:schemeClr>
+            </a:gs>
+          </a:gsLst>
+          <a:lin ang="5400000" scaled="0"/>
+        </a:gradFill>
+      </a:fillStyleLst>
+      <a:lnStyleLst>
+        <a:ln w="6350" cap="flat" cmpd="sng" algn="ctr">
+          <a:solidFill>
+            <a:schemeClr val="phClr"/>
+          </a:solidFill>
+          <a:prstDash val="solid"/>
+          <a:miter lim="800000"/>
+        </a:ln>
+        <a:ln w="12700" cap="flat" cmpd="sng" algn="ctr">
+          <a:solidFill>
+            <a:schemeClr val="phClr"/>
+          </a:solidFill>
+          <a:prstDash val="solid"/>
+          <a:miter lim="800000"/>
+        </a:ln>
+        <a:ln w="19050" cap="flat" cmpd="sng" algn="ctr">
+          <a:solidFill>
+            <a:schemeClr val="phClr"/>
+          </a:solidFill>
+          <a:prstDash val="solid"/>
+          <a:miter lim="800000"/>
+        </a:ln>
+      </a:lnStyleLst>
+      <a:effectStyleLst>
+        <a:effectStyle>
+          <a:effectLst/>
+        </a:effectStyle>
+        <a:effectStyle>
+          <a:effectLst/>
+        </a:effectStyle>
+        <a:effectStyle>
+          <a:effectLst>
+            <a:outerShdw blurRad="57150" dist="19050" dir="5400000" algn="ctr" rotWithShape="0">
+              <a:srgbClr val="000000">
+                <a:alpha val="63000"/>
+              </a:srgbClr>
+            </a:outerShdw>
+          </a:effectLst>
+        </a:effectStyle>
+      </a:effectStyleLst>
+      <a:bgFillStyleLst>
+        <a:solidFill>
+          <a:schemeClr val="phClr"/>
+        </a:solidFill>
+        <a:solidFill>
+          <a:schemeClr val="phClr">
+            <a:tint val="95000"/>
+            <a:satMod val="170000"/>
+          </a:schemeClr>
+        </a:solidFill>
+        <a:gradFill rotWithShape="1">
+          <a:gsLst>
+            <a:gs pos="0">
+              <a:schemeClr val="phClr">
+                <a:tint val="93000"/>
+                <a:satMod val="150000"/>
+                <a:shade val="98000"/>
+                <a:lumMod val="102000"/>
+              </a:schemeClr>
+            </a:gs>
+            <a:gs pos="50000">
+              <a:schemeClr val="phClr">
+                <a:tint val="98000"/>
+                <a:satMod val="130000"/>
+                <a:shade val="90000"/>
+                <a:lumMod val="103000"/>
+              </a:schemeClr>
+            </a:gs>
+            <a:gs pos="100000">
+              <a:schemeClr val="phClr">
+                <a:shade val="63000"/>
+                <a:satMod val="120000"/>
+              </a:schemeClr>
+            </a:gs>
+          </a:gsLst>
+          <a:lin ang="5400000" scaled="0"/>
+        </a:gradFill>
+      </a:bgFillStyleLst>
+    </a:fmtScheme>
+  </a:themeElements>
+  <a:objectDefaults/>
+  <a:extraClrSchemeLst/>
+  <a:extLst>
+    <a:ext uri="{05A4C25C-085E-4340-85A3-A5531E510DB2}">
+      <thm15:themeFamily xmlns:thm15="http://schemas.microsoft.com/office/thememl/2012/main" name="Office Theme" id="{62F939B6-93AF-4DB8-9C6B-D6C7DFDC589F}" vid="{4A3C46E8-61CC-4603-A589-7422A47A8E4A}"/>
+    </a:ext>
+  </a:extLst>
+</a:theme>
 </file>